--- a/EhianeAA1.pptx
+++ b/EhianeAA1.pptx
@@ -5,22 +5,22 @@
     <p:sldMasterId id="2147483648" r:id="rId1"/>
   </p:sldMasterIdLst>
   <p:notesMasterIdLst>
-    <p:notesMasterId r:id="rId7"/>
+    <p:notesMasterId r:id="rId15"/>
   </p:notesMasterIdLst>
   <p:sldIdLst>
-    <p:sldId id="256" r:id="rId3"/>
-    <p:sldId id="257" r:id="rId4"/>
-    <p:sldId id="258" r:id="rId5"/>
-    <p:sldId id="259" r:id="rId6"/>
-    <p:sldId id="260" r:id="rId8"/>
-    <p:sldId id="261" r:id="rId9"/>
-    <p:sldId id="264" r:id="rId10"/>
-    <p:sldId id="262" r:id="rId11"/>
-    <p:sldId id="267" r:id="rId12"/>
-    <p:sldId id="268" r:id="rId13"/>
-    <p:sldId id="270" r:id="rId14"/>
-    <p:sldId id="269" r:id="rId15"/>
-    <p:sldId id="271" r:id="rId16"/>
+    <p:sldId id="256" r:id="rId2"/>
+    <p:sldId id="257" r:id="rId3"/>
+    <p:sldId id="258" r:id="rId4"/>
+    <p:sldId id="259" r:id="rId5"/>
+    <p:sldId id="260" r:id="rId6"/>
+    <p:sldId id="261" r:id="rId7"/>
+    <p:sldId id="264" r:id="rId8"/>
+    <p:sldId id="262" r:id="rId9"/>
+    <p:sldId id="267" r:id="rId10"/>
+    <p:sldId id="268" r:id="rId11"/>
+    <p:sldId id="270" r:id="rId12"/>
+    <p:sldId id="269" r:id="rId13"/>
+    <p:sldId id="271" r:id="rId14"/>
   </p:sldIdLst>
   <p:sldSz cx="12192000" cy="6858000"/>
   <p:notesSz cx="6858000" cy="9144000"/>
@@ -119,6 +119,11 @@
       </a:defRPr>
     </a:lvl9pPr>
   </p:defaultTextStyle>
+  <p:extLst>
+    <p:ext uri="{EFAFB233-063F-42B5-8137-9DF3F51BA10A}">
+      <p15:sldGuideLst xmlns:p15="http://schemas.microsoft.com/office/powerpoint/2012/main"/>
+    </p:ext>
+  </p:extLst>
 </p:presentation>
 </file>
 
@@ -204,6 +209,7 @@
           <a:p>
             <a:fld id="{3EFD42F7-718C-4B98-AAEC-167E6DDD60A7}" type="datetimeFigureOut">
               <a:rPr lang="en-US" smtClean="0"/>
+              <a:t>4/22/2021</a:t>
             </a:fld>
             <a:endParaRPr lang="en-US"/>
           </a:p>
@@ -270,7 +276,6 @@
               <a:rPr lang="en-US" smtClean="0"/>
               <a:t>Click to edit Master text styles</a:t>
             </a:r>
-            <a:endParaRPr lang="en-US" smtClean="0"/>
           </a:p>
           <a:p>
             <a:pPr lvl="1"/>
@@ -278,7 +283,6 @@
               <a:rPr lang="en-US" smtClean="0"/>
               <a:t>Second level</a:t>
             </a:r>
-            <a:endParaRPr lang="en-US" smtClean="0"/>
           </a:p>
           <a:p>
             <a:pPr lvl="2"/>
@@ -286,7 +290,6 @@
               <a:rPr lang="en-US" smtClean="0"/>
               <a:t>Third level</a:t>
             </a:r>
-            <a:endParaRPr lang="en-US" smtClean="0"/>
           </a:p>
           <a:p>
             <a:pPr lvl="3"/>
@@ -294,7 +297,6 @@
               <a:rPr lang="en-US" smtClean="0"/>
               <a:t>Fourth level</a:t>
             </a:r>
-            <a:endParaRPr lang="en-US" smtClean="0"/>
           </a:p>
           <a:p>
             <a:pPr lvl="4"/>
@@ -366,6 +368,7 @@
           <a:p>
             <a:fld id="{21B2AA4F-B828-4D7C-AFD3-893933DAFCB4}" type="slidenum">
               <a:rPr lang="en-US" smtClean="0"/>
+              <a:t>‹#›</a:t>
             </a:fld>
             <a:endParaRPr lang="en-US"/>
           </a:p>
@@ -478,11 +481,20 @@
         <p:cNvGrpSpPr/>
         <p:nvPr/>
       </p:nvGrpSpPr>
-      <p:grpSpPr/>
+      <p:grpSpPr>
+        <a:xfrm>
+          <a:off x="0" y="0"/>
+          <a:ext cx="0" cy="0"/>
+          <a:chOff x="0" y="0"/>
+          <a:chExt cx="0" cy="0"/>
+        </a:xfrm>
+      </p:grpSpPr>
       <p:sp>
         <p:nvSpPr>
           <p:cNvPr id="2" name="Slide Image Placeholder 1"/>
-          <p:cNvSpPr/>
+          <p:cNvSpPr>
+            <a:spLocks noGrp="1" noRot="1" noChangeAspect="1"/>
+          </p:cNvSpPr>
           <p:nvPr>
             <p:ph type="sldImg" idx="2"/>
           </p:nvPr>
@@ -492,7 +504,9 @@
       <p:sp>
         <p:nvSpPr>
           <p:cNvPr id="3" name="Text Placeholder 2"/>
-          <p:cNvSpPr/>
+          <p:cNvSpPr>
+            <a:spLocks noGrp="1"/>
+          </p:cNvSpPr>
           <p:nvPr>
             <p:ph type="body" idx="3"/>
           </p:nvPr>
@@ -500,6 +514,7 @@
         <p:spPr/>
         <p:txBody>
           <a:bodyPr/>
+          <a:lstStyle/>
           <a:p>
             <a:endParaRPr lang="en-US"/>
           </a:p>
@@ -644,6 +659,7 @@
           <a:p>
             <a:fld id="{63A1C593-65D0-4073-BCC9-577B9352EA97}" type="datetimeFigureOut">
               <a:rPr lang="en-US" smtClean="0"/>
+              <a:t>4/22/2021</a:t>
             </a:fld>
             <a:endParaRPr lang="en-US"/>
           </a:p>
@@ -685,6 +701,7 @@
           <a:p>
             <a:fld id="{9B618960-8005-486C-9A75-10CB2AAC16F9}" type="slidenum">
               <a:rPr lang="en-US" smtClean="0"/>
+              <a:t>‹#›</a:t>
             </a:fld>
             <a:endParaRPr lang="en-US"/>
           </a:p>
@@ -758,7 +775,6 @@
               <a:rPr lang="en-US" smtClean="0"/>
               <a:t>Click to edit Master text styles</a:t>
             </a:r>
-            <a:endParaRPr lang="en-US" smtClean="0"/>
           </a:p>
           <a:p>
             <a:pPr lvl="1"/>
@@ -766,7 +782,6 @@
               <a:rPr lang="en-US" smtClean="0"/>
               <a:t>Second level</a:t>
             </a:r>
-            <a:endParaRPr lang="en-US" smtClean="0"/>
           </a:p>
           <a:p>
             <a:pPr lvl="2"/>
@@ -774,7 +789,6 @@
               <a:rPr lang="en-US" smtClean="0"/>
               <a:t>Third level</a:t>
             </a:r>
-            <a:endParaRPr lang="en-US" smtClean="0"/>
           </a:p>
           <a:p>
             <a:pPr lvl="3"/>
@@ -782,7 +796,6 @@
               <a:rPr lang="en-US" smtClean="0"/>
               <a:t>Fourth level</a:t>
             </a:r>
-            <a:endParaRPr lang="en-US" smtClean="0"/>
           </a:p>
           <a:p>
             <a:pPr lvl="4"/>
@@ -811,6 +824,7 @@
           <a:p>
             <a:fld id="{63A1C593-65D0-4073-BCC9-577B9352EA97}" type="datetimeFigureOut">
               <a:rPr lang="en-US" smtClean="0"/>
+              <a:t>4/22/2021</a:t>
             </a:fld>
             <a:endParaRPr lang="en-US"/>
           </a:p>
@@ -852,6 +866,7 @@
           <a:p>
             <a:fld id="{9B618960-8005-486C-9A75-10CB2AAC16F9}" type="slidenum">
               <a:rPr lang="en-US" smtClean="0"/>
+              <a:t>‹#›</a:t>
             </a:fld>
             <a:endParaRPr lang="en-US"/>
           </a:p>
@@ -935,7 +950,6 @@
               <a:rPr lang="en-US" smtClean="0"/>
               <a:t>Click to edit Master text styles</a:t>
             </a:r>
-            <a:endParaRPr lang="en-US" smtClean="0"/>
           </a:p>
           <a:p>
             <a:pPr lvl="1"/>
@@ -943,7 +957,6 @@
               <a:rPr lang="en-US" smtClean="0"/>
               <a:t>Second level</a:t>
             </a:r>
-            <a:endParaRPr lang="en-US" smtClean="0"/>
           </a:p>
           <a:p>
             <a:pPr lvl="2"/>
@@ -951,7 +964,6 @@
               <a:rPr lang="en-US" smtClean="0"/>
               <a:t>Third level</a:t>
             </a:r>
-            <a:endParaRPr lang="en-US" smtClean="0"/>
           </a:p>
           <a:p>
             <a:pPr lvl="3"/>
@@ -959,7 +971,6 @@
               <a:rPr lang="en-US" smtClean="0"/>
               <a:t>Fourth level</a:t>
             </a:r>
-            <a:endParaRPr lang="en-US" smtClean="0"/>
           </a:p>
           <a:p>
             <a:pPr lvl="4"/>
@@ -988,6 +999,7 @@
           <a:p>
             <a:fld id="{63A1C593-65D0-4073-BCC9-577B9352EA97}" type="datetimeFigureOut">
               <a:rPr lang="en-US" smtClean="0"/>
+              <a:t>4/22/2021</a:t>
             </a:fld>
             <a:endParaRPr lang="en-US"/>
           </a:p>
@@ -1029,6 +1041,7 @@
           <a:p>
             <a:fld id="{9B618960-8005-486C-9A75-10CB2AAC16F9}" type="slidenum">
               <a:rPr lang="en-US" smtClean="0"/>
+              <a:t>‹#›</a:t>
             </a:fld>
             <a:endParaRPr lang="en-US"/>
           </a:p>
@@ -1102,7 +1115,6 @@
               <a:rPr lang="en-US" smtClean="0"/>
               <a:t>Click to edit Master text styles</a:t>
             </a:r>
-            <a:endParaRPr lang="en-US" smtClean="0"/>
           </a:p>
           <a:p>
             <a:pPr lvl="1"/>
@@ -1110,7 +1122,6 @@
               <a:rPr lang="en-US" smtClean="0"/>
               <a:t>Second level</a:t>
             </a:r>
-            <a:endParaRPr lang="en-US" smtClean="0"/>
           </a:p>
           <a:p>
             <a:pPr lvl="2"/>
@@ -1118,7 +1129,6 @@
               <a:rPr lang="en-US" smtClean="0"/>
               <a:t>Third level</a:t>
             </a:r>
-            <a:endParaRPr lang="en-US" smtClean="0"/>
           </a:p>
           <a:p>
             <a:pPr lvl="3"/>
@@ -1126,7 +1136,6 @@
               <a:rPr lang="en-US" smtClean="0"/>
               <a:t>Fourth level</a:t>
             </a:r>
-            <a:endParaRPr lang="en-US" smtClean="0"/>
           </a:p>
           <a:p>
             <a:pPr lvl="4"/>
@@ -1155,6 +1164,7 @@
           <a:p>
             <a:fld id="{63A1C593-65D0-4073-BCC9-577B9352EA97}" type="datetimeFigureOut">
               <a:rPr lang="en-US" smtClean="0"/>
+              <a:t>4/22/2021</a:t>
             </a:fld>
             <a:endParaRPr lang="en-US"/>
           </a:p>
@@ -1196,6 +1206,7 @@
           <a:p>
             <a:fld id="{9B618960-8005-486C-9A75-10CB2AAC16F9}" type="slidenum">
               <a:rPr lang="en-US" smtClean="0"/>
+              <a:t>‹#›</a:t>
             </a:fld>
             <a:endParaRPr lang="en-US"/>
           </a:p>
@@ -1374,7 +1385,6 @@
               <a:rPr lang="en-US" smtClean="0"/>
               <a:t>Click to edit Master text styles</a:t>
             </a:r>
-            <a:endParaRPr lang="en-US" smtClean="0"/>
           </a:p>
         </p:txBody>
       </p:sp>
@@ -1395,6 +1405,7 @@
           <a:p>
             <a:fld id="{63A1C593-65D0-4073-BCC9-577B9352EA97}" type="datetimeFigureOut">
               <a:rPr lang="en-US" smtClean="0"/>
+              <a:t>4/22/2021</a:t>
             </a:fld>
             <a:endParaRPr lang="en-US"/>
           </a:p>
@@ -1436,6 +1447,7 @@
           <a:p>
             <a:fld id="{9B618960-8005-486C-9A75-10CB2AAC16F9}" type="slidenum">
               <a:rPr lang="en-US" smtClean="0"/>
+              <a:t>‹#›</a:t>
             </a:fld>
             <a:endParaRPr lang="en-US"/>
           </a:p>
@@ -1514,7 +1526,6 @@
               <a:rPr lang="en-US" smtClean="0"/>
               <a:t>Click to edit Master text styles</a:t>
             </a:r>
-            <a:endParaRPr lang="en-US" smtClean="0"/>
           </a:p>
           <a:p>
             <a:pPr lvl="1"/>
@@ -1522,7 +1533,6 @@
               <a:rPr lang="en-US" smtClean="0"/>
               <a:t>Second level</a:t>
             </a:r>
-            <a:endParaRPr lang="en-US" smtClean="0"/>
           </a:p>
           <a:p>
             <a:pPr lvl="2"/>
@@ -1530,7 +1540,6 @@
               <a:rPr lang="en-US" smtClean="0"/>
               <a:t>Third level</a:t>
             </a:r>
-            <a:endParaRPr lang="en-US" smtClean="0"/>
           </a:p>
           <a:p>
             <a:pPr lvl="3"/>
@@ -1538,7 +1547,6 @@
               <a:rPr lang="en-US" smtClean="0"/>
               <a:t>Fourth level</a:t>
             </a:r>
-            <a:endParaRPr lang="en-US" smtClean="0"/>
           </a:p>
           <a:p>
             <a:pPr lvl="4"/>
@@ -1575,7 +1583,6 @@
               <a:rPr lang="en-US" smtClean="0"/>
               <a:t>Click to edit Master text styles</a:t>
             </a:r>
-            <a:endParaRPr lang="en-US" smtClean="0"/>
           </a:p>
           <a:p>
             <a:pPr lvl="1"/>
@@ -1583,7 +1590,6 @@
               <a:rPr lang="en-US" smtClean="0"/>
               <a:t>Second level</a:t>
             </a:r>
-            <a:endParaRPr lang="en-US" smtClean="0"/>
           </a:p>
           <a:p>
             <a:pPr lvl="2"/>
@@ -1591,7 +1597,6 @@
               <a:rPr lang="en-US" smtClean="0"/>
               <a:t>Third level</a:t>
             </a:r>
-            <a:endParaRPr lang="en-US" smtClean="0"/>
           </a:p>
           <a:p>
             <a:pPr lvl="3"/>
@@ -1599,7 +1604,6 @@
               <a:rPr lang="en-US" smtClean="0"/>
               <a:t>Fourth level</a:t>
             </a:r>
-            <a:endParaRPr lang="en-US" smtClean="0"/>
           </a:p>
           <a:p>
             <a:pPr lvl="4"/>
@@ -1628,6 +1632,7 @@
           <a:p>
             <a:fld id="{63A1C593-65D0-4073-BCC9-577B9352EA97}" type="datetimeFigureOut">
               <a:rPr lang="en-US" smtClean="0"/>
+              <a:t>4/22/2021</a:t>
             </a:fld>
             <a:endParaRPr lang="en-US"/>
           </a:p>
@@ -1669,6 +1674,7 @@
           <a:p>
             <a:fld id="{9B618960-8005-486C-9A75-10CB2AAC16F9}" type="slidenum">
               <a:rPr lang="en-US" smtClean="0"/>
+              <a:t>‹#›</a:t>
             </a:fld>
             <a:endParaRPr lang="en-US"/>
           </a:p>
@@ -1789,7 +1795,6 @@
               <a:rPr lang="en-US" smtClean="0"/>
               <a:t>Click to edit Master text styles</a:t>
             </a:r>
-            <a:endParaRPr lang="en-US" smtClean="0"/>
           </a:p>
         </p:txBody>
       </p:sp>
@@ -1818,7 +1823,6 @@
               <a:rPr lang="en-US" smtClean="0"/>
               <a:t>Click to edit Master text styles</a:t>
             </a:r>
-            <a:endParaRPr lang="en-US" smtClean="0"/>
           </a:p>
           <a:p>
             <a:pPr lvl="1"/>
@@ -1826,7 +1830,6 @@
               <a:rPr lang="en-US" smtClean="0"/>
               <a:t>Second level</a:t>
             </a:r>
-            <a:endParaRPr lang="en-US" smtClean="0"/>
           </a:p>
           <a:p>
             <a:pPr lvl="2"/>
@@ -1834,7 +1837,6 @@
               <a:rPr lang="en-US" smtClean="0"/>
               <a:t>Third level</a:t>
             </a:r>
-            <a:endParaRPr lang="en-US" smtClean="0"/>
           </a:p>
           <a:p>
             <a:pPr lvl="3"/>
@@ -1842,7 +1844,6 @@
               <a:rPr lang="en-US" smtClean="0"/>
               <a:t>Fourth level</a:t>
             </a:r>
-            <a:endParaRPr lang="en-US" smtClean="0"/>
           </a:p>
           <a:p>
             <a:pPr lvl="4"/>
@@ -1916,7 +1917,6 @@
               <a:rPr lang="en-US" smtClean="0"/>
               <a:t>Click to edit Master text styles</a:t>
             </a:r>
-            <a:endParaRPr lang="en-US" smtClean="0"/>
           </a:p>
         </p:txBody>
       </p:sp>
@@ -1945,7 +1945,6 @@
               <a:rPr lang="en-US" smtClean="0"/>
               <a:t>Click to edit Master text styles</a:t>
             </a:r>
-            <a:endParaRPr lang="en-US" smtClean="0"/>
           </a:p>
           <a:p>
             <a:pPr lvl="1"/>
@@ -1953,7 +1952,6 @@
               <a:rPr lang="en-US" smtClean="0"/>
               <a:t>Second level</a:t>
             </a:r>
-            <a:endParaRPr lang="en-US" smtClean="0"/>
           </a:p>
           <a:p>
             <a:pPr lvl="2"/>
@@ -1961,7 +1959,6 @@
               <a:rPr lang="en-US" smtClean="0"/>
               <a:t>Third level</a:t>
             </a:r>
-            <a:endParaRPr lang="en-US" smtClean="0"/>
           </a:p>
           <a:p>
             <a:pPr lvl="3"/>
@@ -1969,7 +1966,6 @@
               <a:rPr lang="en-US" smtClean="0"/>
               <a:t>Fourth level</a:t>
             </a:r>
-            <a:endParaRPr lang="en-US" smtClean="0"/>
           </a:p>
           <a:p>
             <a:pPr lvl="4"/>
@@ -1998,6 +1994,7 @@
           <a:p>
             <a:fld id="{63A1C593-65D0-4073-BCC9-577B9352EA97}" type="datetimeFigureOut">
               <a:rPr lang="en-US" smtClean="0"/>
+              <a:t>4/22/2021</a:t>
             </a:fld>
             <a:endParaRPr lang="en-US"/>
           </a:p>
@@ -2039,6 +2036,7 @@
           <a:p>
             <a:fld id="{9B618960-8005-486C-9A75-10CB2AAC16F9}" type="slidenum">
               <a:rPr lang="en-US" smtClean="0"/>
+              <a:t>‹#›</a:t>
             </a:fld>
             <a:endParaRPr lang="en-US"/>
           </a:p>
@@ -2109,6 +2107,7 @@
           <a:p>
             <a:fld id="{63A1C593-65D0-4073-BCC9-577B9352EA97}" type="datetimeFigureOut">
               <a:rPr lang="en-US" smtClean="0"/>
+              <a:t>4/22/2021</a:t>
             </a:fld>
             <a:endParaRPr lang="en-US"/>
           </a:p>
@@ -2150,6 +2149,7 @@
           <a:p>
             <a:fld id="{9B618960-8005-486C-9A75-10CB2AAC16F9}" type="slidenum">
               <a:rPr lang="en-US" smtClean="0"/>
+              <a:t>‹#›</a:t>
             </a:fld>
             <a:endParaRPr lang="en-US"/>
           </a:p>
@@ -2197,6 +2197,7 @@
           <a:p>
             <a:fld id="{63A1C593-65D0-4073-BCC9-577B9352EA97}" type="datetimeFigureOut">
               <a:rPr lang="en-US" smtClean="0"/>
+              <a:t>4/22/2021</a:t>
             </a:fld>
             <a:endParaRPr lang="en-US"/>
           </a:p>
@@ -2238,6 +2239,7 @@
           <a:p>
             <a:fld id="{9B618960-8005-486C-9A75-10CB2AAC16F9}" type="slidenum">
               <a:rPr lang="en-US" smtClean="0"/>
+              <a:t>‹#›</a:t>
             </a:fld>
             <a:endParaRPr lang="en-US"/>
           </a:p>
@@ -2353,7 +2355,6 @@
               <a:rPr lang="en-US" smtClean="0"/>
               <a:t>Click to edit Master text styles</a:t>
             </a:r>
-            <a:endParaRPr lang="en-US" smtClean="0"/>
           </a:p>
           <a:p>
             <a:pPr lvl="1"/>
@@ -2361,7 +2362,6 @@
               <a:rPr lang="en-US" smtClean="0"/>
               <a:t>Second level</a:t>
             </a:r>
-            <a:endParaRPr lang="en-US" smtClean="0"/>
           </a:p>
           <a:p>
             <a:pPr lvl="2"/>
@@ -2369,7 +2369,6 @@
               <a:rPr lang="en-US" smtClean="0"/>
               <a:t>Third level</a:t>
             </a:r>
-            <a:endParaRPr lang="en-US" smtClean="0"/>
           </a:p>
           <a:p>
             <a:pPr lvl="3"/>
@@ -2377,7 +2376,6 @@
               <a:rPr lang="en-US" smtClean="0"/>
               <a:t>Fourth level</a:t>
             </a:r>
-            <a:endParaRPr lang="en-US" smtClean="0"/>
           </a:p>
           <a:p>
             <a:pPr lvl="4"/>
@@ -2451,7 +2449,6 @@
               <a:rPr lang="en-US" smtClean="0"/>
               <a:t>Click to edit Master text styles</a:t>
             </a:r>
-            <a:endParaRPr lang="en-US" smtClean="0"/>
           </a:p>
         </p:txBody>
       </p:sp>
@@ -2472,6 +2469,7 @@
           <a:p>
             <a:fld id="{63A1C593-65D0-4073-BCC9-577B9352EA97}" type="datetimeFigureOut">
               <a:rPr lang="en-US" smtClean="0"/>
+              <a:t>4/22/2021</a:t>
             </a:fld>
             <a:endParaRPr lang="en-US"/>
           </a:p>
@@ -2513,6 +2511,7 @@
           <a:p>
             <a:fld id="{9B618960-8005-486C-9A75-10CB2AAC16F9}" type="slidenum">
               <a:rPr lang="en-US" smtClean="0"/>
+              <a:t>‹#›</a:t>
             </a:fld>
             <a:endParaRPr lang="en-US"/>
           </a:p>
@@ -2698,7 +2697,6 @@
               <a:rPr lang="en-US" smtClean="0"/>
               <a:t>Click to edit Master text styles</a:t>
             </a:r>
-            <a:endParaRPr lang="en-US" smtClean="0"/>
           </a:p>
         </p:txBody>
       </p:sp>
@@ -2719,6 +2717,7 @@
           <a:p>
             <a:fld id="{63A1C593-65D0-4073-BCC9-577B9352EA97}" type="datetimeFigureOut">
               <a:rPr lang="en-US" smtClean="0"/>
+              <a:t>4/22/2021</a:t>
             </a:fld>
             <a:endParaRPr lang="en-US"/>
           </a:p>
@@ -2760,6 +2759,7 @@
           <a:p>
             <a:fld id="{9B618960-8005-486C-9A75-10CB2AAC16F9}" type="slidenum">
               <a:rPr lang="en-US" smtClean="0"/>
+              <a:t>‹#›</a:t>
             </a:fld>
             <a:endParaRPr lang="en-US"/>
           </a:p>
@@ -2858,7 +2858,6 @@
               <a:rPr lang="en-US" smtClean="0"/>
               <a:t>Click to edit Master text styles</a:t>
             </a:r>
-            <a:endParaRPr lang="en-US" smtClean="0"/>
           </a:p>
           <a:p>
             <a:pPr lvl="1"/>
@@ -2866,7 +2865,6 @@
               <a:rPr lang="en-US" smtClean="0"/>
               <a:t>Second level</a:t>
             </a:r>
-            <a:endParaRPr lang="en-US" smtClean="0"/>
           </a:p>
           <a:p>
             <a:pPr lvl="2"/>
@@ -2874,7 +2872,6 @@
               <a:rPr lang="en-US" smtClean="0"/>
               <a:t>Third level</a:t>
             </a:r>
-            <a:endParaRPr lang="en-US" smtClean="0"/>
           </a:p>
           <a:p>
             <a:pPr lvl="3"/>
@@ -2882,7 +2879,6 @@
               <a:rPr lang="en-US" smtClean="0"/>
               <a:t>Fourth level</a:t>
             </a:r>
-            <a:endParaRPr lang="en-US" smtClean="0"/>
           </a:p>
           <a:p>
             <a:pPr lvl="4"/>
@@ -2929,6 +2925,7 @@
           <a:p>
             <a:fld id="{63A1C593-65D0-4073-BCC9-577B9352EA97}" type="datetimeFigureOut">
               <a:rPr lang="en-US" smtClean="0"/>
+              <a:t>4/22/2021</a:t>
             </a:fld>
             <a:endParaRPr lang="en-US"/>
           </a:p>
@@ -3006,6 +3003,7 @@
           <a:p>
             <a:fld id="{9B618960-8005-486C-9A75-10CB2AAC16F9}" type="slidenum">
               <a:rPr lang="en-US" smtClean="0"/>
+              <a:t>‹#›</a:t>
             </a:fld>
             <a:endParaRPr lang="en-US"/>
           </a:p>
@@ -3346,7 +3344,6 @@
               <a:rPr lang="en-GB" altLang="en-US" dirty="0"/>
               <a:t>Alogrithim Assignment.</a:t>
             </a:r>
-            <a:endParaRPr lang="en-GB" altLang="en-US" dirty="0"/>
           </a:p>
         </p:txBody>
       </p:sp>
@@ -3369,14 +3366,12 @@
               <a:rPr lang="en-GB" altLang="en-US"/>
               <a:t>Ehiane Oigiagbe</a:t>
             </a:r>
-            <a:endParaRPr lang="en-GB" altLang="en-US"/>
           </a:p>
           <a:p>
             <a:r>
               <a:rPr lang="en-GB" altLang="en-US"/>
               <a:t>Computer Science | SST | YR 1 | SEM 2 </a:t>
             </a:r>
-            <a:endParaRPr lang="en-GB" altLang="en-US"/>
           </a:p>
         </p:txBody>
       </p:sp>
@@ -3397,7 +3392,14 @@
         <p:cNvGrpSpPr/>
         <p:nvPr/>
       </p:nvGrpSpPr>
-      <p:grpSpPr/>
+      <p:grpSpPr>
+        <a:xfrm>
+          <a:off x="0" y="0"/>
+          <a:ext cx="0" cy="0"/>
+          <a:chOff x="0" y="0"/>
+          <a:chExt cx="0" cy="0"/>
+        </a:xfrm>
+      </p:grpSpPr>
       <p:sp>
         <p:nvSpPr>
           <p:cNvPr id="2" name="Title 1"/>
@@ -3416,6 +3418,7 @@
         </p:spPr>
         <p:txBody>
           <a:bodyPr/>
+          <a:lstStyle/>
           <a:p>
             <a:r>
               <a:rPr lang="en-GB" altLang="en-US"/>
@@ -3429,7 +3432,6 @@
               <a:rPr lang="en-GB" altLang="en-US" sz="3600"/>
               <a:t> </a:t>
             </a:r>
-            <a:endParaRPr lang="en-GB" altLang="en-US" sz="3600"/>
           </a:p>
         </p:txBody>
       </p:sp>
@@ -3453,6 +3455,7 @@
           <a:bodyPr>
             <a:normAutofit/>
           </a:bodyPr>
+          <a:lstStyle/>
           <a:p>
             <a:r>
               <a:rPr lang="en-GB" altLang="en-US" b="1">
@@ -3460,44 +3463,36 @@
               </a:rPr>
               <a:t>Pseudo code:</a:t>
             </a:r>
-            <a:endParaRPr lang="en-GB" altLang="en-US" b="1">
-              <a:sym typeface="+mn-ea"/>
-            </a:endParaRPr>
           </a:p>
           <a:p>
             <a:r>
               <a:rPr lang="en-GB" altLang="en-US" b="1"/>
               <a:t>Input N1</a:t>
             </a:r>
-            <a:endParaRPr lang="en-GB" altLang="en-US" b="1"/>
           </a:p>
           <a:p>
             <a:r>
               <a:rPr lang="en-GB" altLang="en-US" b="1"/>
               <a:t>Input N2</a:t>
             </a:r>
-            <a:endParaRPr lang="en-GB" altLang="en-US" b="1"/>
           </a:p>
           <a:p>
             <a:r>
               <a:rPr lang="en-GB" altLang="en-US" b="1"/>
               <a:t>Compute For i = 1, give a list of factors for N1 to N2 </a:t>
             </a:r>
-            <a:endParaRPr lang="en-GB" altLang="en-US" b="1"/>
           </a:p>
           <a:p>
             <a:r>
               <a:rPr lang="en-GB" altLang="en-US" b="1"/>
               <a:t>If N2 % i ==0   &amp;&amp; N1 % i == 0</a:t>
             </a:r>
-            <a:endParaRPr lang="en-GB" altLang="en-US" b="1"/>
           </a:p>
           <a:p>
             <a:r>
               <a:rPr lang="en-GB" altLang="en-US" b="1"/>
               <a:t>Print (‘HCF is = ’, i) </a:t>
             </a:r>
-            <a:endParaRPr lang="en-GB" altLang="en-US" b="1"/>
           </a:p>
           <a:p>
             <a:endParaRPr lang="en-US"/>
@@ -3521,7 +3516,14 @@
         <p:cNvGrpSpPr/>
         <p:nvPr/>
       </p:nvGrpSpPr>
-      <p:grpSpPr/>
+      <p:grpSpPr>
+        <a:xfrm>
+          <a:off x="0" y="0"/>
+          <a:ext cx="0" cy="0"/>
+          <a:chOff x="0" y="0"/>
+          <a:chExt cx="0" cy="0"/>
+        </a:xfrm>
+      </p:grpSpPr>
       <p:sp>
         <p:nvSpPr>
           <p:cNvPr id="2" name="Title 1"/>
@@ -3542,6 +3544,7 @@
           <a:bodyPr>
             <a:normAutofit fontScale="90000"/>
           </a:bodyPr>
+          <a:lstStyle/>
           <a:p>
             <a:r>
               <a:rPr lang="en-GB" altLang="en-US" sz="2700"/>
@@ -3558,6 +3561,10 @@
                 <a:sym typeface="+mn-ea"/>
               </a:rPr>
               <a:t> </a:t>
+            </a:r>
+            <a:r>
+              <a:rPr lang="en-GB" altLang="en-US"/>
+              <a:t/>
             </a:r>
             <a:br>
               <a:rPr lang="en-GB" altLang="en-US"/>
@@ -3599,6 +3606,7 @@
         </p:style>
         <p:txBody>
           <a:bodyPr rtlCol="0" anchor="ctr"/>
+          <a:lstStyle/>
           <a:p>
             <a:pPr algn="ctr"/>
             <a:endParaRPr lang="en-US"/>
@@ -3673,6 +3681,7 @@
         </p:style>
         <p:txBody>
           <a:bodyPr rtlCol="0" anchor="ctr"/>
+          <a:lstStyle/>
           <a:p>
             <a:pPr algn="ctr"/>
             <a:endParaRPr lang="en-US"/>
@@ -3747,6 +3756,7 @@
         </p:style>
         <p:txBody>
           <a:bodyPr rtlCol="0" anchor="ctr"/>
+          <a:lstStyle/>
           <a:p>
             <a:pPr algn="ctr"/>
             <a:endParaRPr lang="en-US"/>
@@ -3797,6 +3807,7 @@
         </p:style>
         <p:txBody>
           <a:bodyPr rtlCol="0" anchor="ctr"/>
+          <a:lstStyle/>
           <a:p>
             <a:pPr algn="ctr"/>
             <a:endParaRPr lang="en-US"/>
@@ -3906,6 +3917,7 @@
         </p:style>
         <p:txBody>
           <a:bodyPr rtlCol="0" anchor="ctr"/>
+          <a:lstStyle/>
           <a:p>
             <a:pPr algn="ctr"/>
             <a:endParaRPr lang="en-US"/>
@@ -3980,6 +3992,7 @@
         </p:style>
         <p:txBody>
           <a:bodyPr rtlCol="0" anchor="ctr"/>
+          <a:lstStyle/>
           <a:p>
             <a:pPr algn="ctr"/>
             <a:endParaRPr lang="en-US"/>
@@ -4006,12 +4019,12 @@
           <a:bodyPr wrap="square" rtlCol="0">
             <a:spAutoFit/>
           </a:bodyPr>
+          <a:lstStyle/>
           <a:p>
             <a:r>
               <a:rPr lang="en-GB" altLang="en-US"/>
               <a:t>Start</a:t>
             </a:r>
-            <a:endParaRPr lang="en-GB" altLang="en-US"/>
           </a:p>
         </p:txBody>
       </p:sp>
@@ -4035,19 +4048,18 @@
           <a:bodyPr wrap="square" rtlCol="0">
             <a:spAutoFit/>
           </a:bodyPr>
+          <a:lstStyle/>
           <a:p>
             <a:r>
               <a:rPr lang="en-GB" altLang="en-US"/>
               <a:t>Input N1</a:t>
             </a:r>
-            <a:endParaRPr lang="en-GB" altLang="en-US"/>
           </a:p>
           <a:p>
             <a:r>
               <a:rPr lang="en-GB" altLang="en-US"/>
               <a:t>Input N2</a:t>
             </a:r>
-            <a:endParaRPr lang="en-GB" altLang="en-US"/>
           </a:p>
         </p:txBody>
       </p:sp>
@@ -4071,12 +4083,12 @@
           <a:bodyPr wrap="square" rtlCol="0">
             <a:spAutoFit/>
           </a:bodyPr>
+          <a:lstStyle/>
           <a:p>
             <a:r>
               <a:rPr lang="en-GB" altLang="en-US"/>
               <a:t>For i = 1 , give  a list of factors for N1 and N2</a:t>
             </a:r>
-            <a:endParaRPr lang="en-GB" altLang="en-US"/>
           </a:p>
         </p:txBody>
       </p:sp>
@@ -4100,12 +4112,12 @@
           <a:bodyPr wrap="square" rtlCol="0">
             <a:spAutoFit/>
           </a:bodyPr>
+          <a:lstStyle/>
           <a:p>
             <a:r>
               <a:rPr lang="en-GB" altLang="en-US" sz="2000"/>
               <a:t>If N2% i == 0 &amp;&amp; N1 % i == 0 </a:t>
             </a:r>
-            <a:endParaRPr lang="en-GB" altLang="en-US" sz="2000"/>
           </a:p>
         </p:txBody>
       </p:sp>
@@ -4129,12 +4141,25 @@
           <a:bodyPr wrap="square" rtlCol="0">
             <a:spAutoFit/>
           </a:bodyPr>
-          <a:p>
-            <a:r>
-              <a:rPr lang="en-GB" altLang="en-US"/>
-              <a:t>Print (‘HCF is = ’ ,1)</a:t>
-            </a:r>
-            <a:endParaRPr lang="en-GB" altLang="en-US"/>
+          <a:lstStyle/>
+          <a:p>
+            <a:r>
+              <a:rPr lang="en-GB" altLang="en-US" dirty="0"/>
+              <a:t>Print (‘HCF is = ’ </a:t>
+            </a:r>
+            <a:r>
+              <a:rPr lang="en-GB" altLang="en-US" dirty="0" smtClean="0"/>
+              <a:t>,</a:t>
+            </a:r>
+            <a:r>
+              <a:rPr lang="en-GB" altLang="en-US" dirty="0" err="1" smtClean="0"/>
+              <a:t>i</a:t>
+            </a:r>
+            <a:r>
+              <a:rPr lang="en-GB" altLang="en-US" dirty="0" smtClean="0"/>
+              <a:t>)</a:t>
+            </a:r>
+            <a:endParaRPr lang="en-GB" altLang="en-US" dirty="0"/>
           </a:p>
         </p:txBody>
       </p:sp>
@@ -4158,12 +4183,12 @@
           <a:bodyPr wrap="square" rtlCol="0">
             <a:spAutoFit/>
           </a:bodyPr>
+          <a:lstStyle/>
           <a:p>
             <a:r>
               <a:rPr lang="en-GB" altLang="en-US"/>
               <a:t>End </a:t>
             </a:r>
-            <a:endParaRPr lang="en-GB" altLang="en-US"/>
           </a:p>
         </p:txBody>
       </p:sp>
@@ -4184,7 +4209,14 @@
         <p:cNvGrpSpPr/>
         <p:nvPr/>
       </p:nvGrpSpPr>
-      <p:grpSpPr/>
+      <p:grpSpPr>
+        <a:xfrm>
+          <a:off x="0" y="0"/>
+          <a:ext cx="0" cy="0"/>
+          <a:chOff x="0" y="0"/>
+          <a:chExt cx="0" cy="0"/>
+        </a:xfrm>
+      </p:grpSpPr>
       <p:sp>
         <p:nvSpPr>
           <p:cNvPr id="2" name="Title 1"/>
@@ -4205,6 +4237,7 @@
           <a:bodyPr>
             <a:normAutofit/>
           </a:bodyPr>
+          <a:lstStyle/>
           <a:p>
             <a:r>
               <a:rPr lang="en-GB" altLang="en-US"/>
@@ -4214,7 +4247,6 @@
               <a:rPr lang="en-GB" altLang="en-US" sz="2400"/>
               <a:t>Find the factorial of number n(n! = 1 x 2 x 3....n) </a:t>
             </a:r>
-            <a:endParaRPr lang="en-GB" altLang="en-US" sz="2400"/>
           </a:p>
         </p:txBody>
       </p:sp>
@@ -4231,54 +4263,48 @@
         <p:spPr/>
         <p:txBody>
           <a:bodyPr/>
+          <a:lstStyle/>
           <a:p>
             <a:r>
               <a:rPr lang="en-GB" altLang="en-US"/>
               <a:t>Pseudo Code:</a:t>
             </a:r>
-            <a:endParaRPr lang="en-GB" altLang="en-US"/>
           </a:p>
           <a:p>
             <a:r>
               <a:rPr lang="en-GB" altLang="en-US"/>
               <a:t>Input n</a:t>
             </a:r>
-            <a:endParaRPr lang="en-GB" altLang="en-US"/>
           </a:p>
           <a:p>
             <a:r>
               <a:rPr lang="en-GB" altLang="en-US"/>
               <a:t>Compute y = list(range(1,(n+1)))</a:t>
             </a:r>
-            <a:endParaRPr lang="en-GB" altLang="en-US"/>
           </a:p>
           <a:p>
             <a:r>
               <a:rPr lang="en-GB" altLang="en-US"/>
               <a:t>compute Factorial = 1</a:t>
             </a:r>
-            <a:endParaRPr lang="en-GB" altLang="en-US"/>
           </a:p>
           <a:p>
             <a:r>
               <a:rPr lang="en-GB" altLang="en-US"/>
               <a:t>Compute for i in y:</a:t>
             </a:r>
-            <a:endParaRPr lang="en-GB" altLang="en-US"/>
           </a:p>
           <a:p>
             <a:r>
               <a:rPr lang="en-GB" altLang="en-US"/>
               <a:t>Compute Factorial *= i</a:t>
             </a:r>
-            <a:endParaRPr lang="en-GB" altLang="en-US"/>
           </a:p>
           <a:p>
             <a:r>
               <a:rPr lang="en-GB" altLang="en-US"/>
               <a:t>Print(Factorial)</a:t>
             </a:r>
-            <a:endParaRPr lang="en-GB" altLang="en-US"/>
           </a:p>
           <a:p>
             <a:pPr lvl="1"/>
@@ -4303,7 +4329,14 @@
         <p:cNvGrpSpPr/>
         <p:nvPr/>
       </p:nvGrpSpPr>
-      <p:grpSpPr/>
+      <p:grpSpPr>
+        <a:xfrm>
+          <a:off x="0" y="0"/>
+          <a:ext cx="0" cy="0"/>
+          <a:chOff x="0" y="0"/>
+          <a:chExt cx="0" cy="0"/>
+        </a:xfrm>
+      </p:grpSpPr>
       <p:sp>
         <p:nvSpPr>
           <p:cNvPr id="2" name="Title 1"/>
@@ -4324,6 +4357,7 @@
           <a:bodyPr>
             <a:normAutofit fontScale="90000"/>
           </a:bodyPr>
+          <a:lstStyle/>
           <a:p>
             <a:r>
               <a:rPr lang="en-GB" altLang="en-US" sz="2000"/>
@@ -4340,6 +4374,10 @@
                 <a:sym typeface="+mn-ea"/>
               </a:rPr>
               <a:t> </a:t>
+            </a:r>
+            <a:r>
+              <a:rPr lang="en-GB" altLang="en-US"/>
+              <a:t/>
             </a:r>
             <a:br>
               <a:rPr lang="en-GB" altLang="en-US"/>
@@ -4384,6 +4422,7 @@
         </p:style>
         <p:txBody>
           <a:bodyPr rtlCol="0" anchor="ctr"/>
+          <a:lstStyle/>
           <a:p>
             <a:pPr algn="ctr"/>
             <a:endParaRPr lang="en-US"/>
@@ -4458,6 +4497,7 @@
         </p:style>
         <p:txBody>
           <a:bodyPr rtlCol="0" anchor="ctr"/>
+          <a:lstStyle/>
           <a:p>
             <a:pPr algn="ctr"/>
             <a:endParaRPr lang="en-US"/>
@@ -4532,6 +4572,7 @@
         </p:style>
         <p:txBody>
           <a:bodyPr rtlCol="0" anchor="ctr"/>
+          <a:lstStyle/>
           <a:p>
             <a:pPr algn="ctr"/>
             <a:endParaRPr lang="en-US"/>
@@ -4606,6 +4647,7 @@
         </p:style>
         <p:txBody>
           <a:bodyPr rtlCol="0" anchor="ctr"/>
+          <a:lstStyle/>
           <a:p>
             <a:pPr algn="ctr"/>
             <a:endParaRPr lang="en-US"/>
@@ -4645,6 +4687,7 @@
         </p:style>
         <p:txBody>
           <a:bodyPr rtlCol="0" anchor="ctr"/>
+          <a:lstStyle/>
           <a:p>
             <a:pPr algn="ctr"/>
             <a:endParaRPr lang="en-US"/>
@@ -4684,6 +4727,7 @@
         </p:style>
         <p:txBody>
           <a:bodyPr rtlCol="0" anchor="ctr"/>
+          <a:lstStyle/>
           <a:p>
             <a:pPr algn="ctr"/>
             <a:endParaRPr lang="en-US"/>
@@ -4780,12 +4824,12 @@
           <a:bodyPr wrap="square" rtlCol="0">
             <a:spAutoFit/>
           </a:bodyPr>
+          <a:lstStyle/>
           <a:p>
             <a:r>
               <a:rPr lang="en-GB" altLang="en-US"/>
               <a:t>Start</a:t>
             </a:r>
-            <a:endParaRPr lang="en-GB" altLang="en-US"/>
           </a:p>
         </p:txBody>
       </p:sp>
@@ -4809,12 +4853,12 @@
           <a:bodyPr wrap="square" rtlCol="0">
             <a:spAutoFit/>
           </a:bodyPr>
+          <a:lstStyle/>
           <a:p>
             <a:r>
               <a:rPr lang="en-GB" altLang="en-US"/>
               <a:t>Input N</a:t>
             </a:r>
-            <a:endParaRPr lang="en-GB" altLang="en-US"/>
           </a:p>
         </p:txBody>
       </p:sp>
@@ -4838,6 +4882,7 @@
           <a:bodyPr wrap="square" rtlCol="0">
             <a:spAutoFit/>
           </a:bodyPr>
+          <a:lstStyle/>
           <a:p>
             <a:r>
               <a:rPr lang="en-GB" altLang="en-US" sz="1600"/>
@@ -4862,7 +4907,6 @@
               <a:rPr lang="en-GB" altLang="en-US"/>
               <a:t>Factorial = 1</a:t>
             </a:r>
-            <a:endParaRPr lang="en-GB" altLang="en-US"/>
           </a:p>
         </p:txBody>
       </p:sp>
@@ -4886,19 +4930,18 @@
           <a:bodyPr wrap="square" rtlCol="0">
             <a:spAutoFit/>
           </a:bodyPr>
+          <a:lstStyle/>
           <a:p>
             <a:r>
               <a:rPr lang="en-GB" altLang="en-US"/>
               <a:t>For i in y </a:t>
             </a:r>
-            <a:endParaRPr lang="en-GB" altLang="en-US"/>
           </a:p>
           <a:p>
             <a:r>
               <a:rPr lang="en-GB" altLang="en-US"/>
               <a:t>Factorial *= i </a:t>
             </a:r>
-            <a:endParaRPr lang="en-GB" altLang="en-US"/>
           </a:p>
         </p:txBody>
       </p:sp>
@@ -4922,12 +4965,12 @@
           <a:bodyPr wrap="square" rtlCol="0">
             <a:spAutoFit/>
           </a:bodyPr>
+          <a:lstStyle/>
           <a:p>
             <a:r>
               <a:rPr lang="en-GB" altLang="en-US"/>
               <a:t>Print’Factorial’</a:t>
             </a:r>
-            <a:endParaRPr lang="en-GB" altLang="en-US"/>
           </a:p>
         </p:txBody>
       </p:sp>
@@ -4951,12 +4994,12 @@
           <a:bodyPr wrap="square" rtlCol="0">
             <a:spAutoFit/>
           </a:bodyPr>
+          <a:lstStyle/>
           <a:p>
             <a:r>
               <a:rPr lang="en-GB" altLang="en-US"/>
               <a:t>End </a:t>
             </a:r>
-            <a:endParaRPr lang="en-GB" altLang="en-US"/>
           </a:p>
         </p:txBody>
       </p:sp>
@@ -4977,9 +5020,16 @@
         <p:cNvGrpSpPr/>
         <p:nvPr/>
       </p:nvGrpSpPr>
-      <p:grpSpPr/>
-      <mc:AlternateContent xmlns:mc="http://schemas.openxmlformats.org/markup-compatibility/2006">
-        <mc:Choice xmlns:a14="http://schemas.microsoft.com/office/drawing/2010/main" Requires="a14">
+      <p:grpSpPr>
+        <a:xfrm>
+          <a:off x="0" y="0"/>
+          <a:ext cx="0" cy="0"/>
+          <a:chOff x="0" y="0"/>
+          <a:chExt cx="0" cy="0"/>
+        </a:xfrm>
+      </p:grpSpPr>
+      <mc:AlternateContent xmlns:mc="http://schemas.openxmlformats.org/markup-compatibility/2006" xmlns:a14="http://schemas.microsoft.com/office/drawing/2010/main">
+        <mc:Choice Requires="a14">
           <p:sp>
             <p:nvSpPr>
               <p:cNvPr id="2" name="Title 1"/>
@@ -4998,6 +5048,7 @@
             </p:spPr>
             <p:txBody>
               <a:bodyPr/>
+              <a:lstStyle/>
               <a:p>
                 <a:r>
                   <a:rPr lang="en-GB" altLang="en-US" sz="2000"/>
@@ -5009,7 +5060,7 @@
                       <m:sSupPr>
                         <m:ctrlPr>
                           <a:rPr lang="en-US" altLang="en-GB" sz="2000" i="1">
-                            <a:latin typeface="Cambria Math" panose="02040503050406030204" charset="0"/>
+                            <a:latin typeface="Cambria Math" panose="02040503050406030204" pitchFamily="18" charset="0"/>
                             <a:cs typeface="Cambria Math" panose="02040503050406030204" charset="0"/>
                           </a:rPr>
                         </m:ctrlPr>
@@ -5052,7 +5103,7 @@
                         <a:latin typeface="Cambria Math" panose="02040503050406030204" charset="0"/>
                         <a:cs typeface="Cambria Math" panose="02040503050406030204" charset="0"/>
                       </a:rPr>
-                      <m:t>+ </m:t>
+                      <m:t>+ </m:t>
                     </m:r>
                     <m:r>
                       <a:rPr lang="en-US" altLang="en-GB" sz="2000" i="1">
@@ -5066,21 +5117,7 @@
                         <a:latin typeface="Cambria Math" panose="02040503050406030204" charset="0"/>
                         <a:cs typeface="Cambria Math" panose="02040503050406030204" charset="0"/>
                       </a:rPr>
-                      <m:t>= </m:t>
-                    </m:r>
-                    <m:r>
-                      <a:rPr lang="en-US" altLang="en-GB" sz="2000" i="1">
-                        <a:latin typeface="Cambria Math" panose="02040503050406030204" charset="0"/>
-                        <a:cs typeface="Cambria Math" panose="02040503050406030204" charset="0"/>
-                      </a:rPr>
-                      <m:t>0</m:t>
-                    </m:r>
-                    <m:r>
-                      <a:rPr lang="en-US" altLang="en-GB" sz="2000" i="1">
-                        <a:latin typeface="Cambria Math" panose="02040503050406030204" charset="0"/>
-                        <a:cs typeface="Cambria Math" panose="02040503050406030204" charset="0"/>
-                      </a:rPr>
-                      <m:t> </m:t>
+                      <m:t>= 0 </m:t>
                     </m:r>
                   </m:oMath>
                 </a14:m>
@@ -5089,7 +5126,7 @@
             </p:txBody>
           </p:sp>
         </mc:Choice>
-        <mc:Fallback>
+        <mc:Fallback xmlns="">
           <p:sp>
             <p:nvSpPr>
               <p:cNvPr id="2" name="Title 1"/>
@@ -5106,7 +5143,7 @@
                 <a:ext cx="9643110" cy="652780"/>
               </a:xfrm>
               <a:blipFill rotWithShape="1">
-                <a:blip r:embed="rId1"/>
+                <a:blip r:embed="rId2"/>
                 <a:stretch>
                   <a:fillRect/>
                 </a:stretch>
@@ -5145,133 +5182,113 @@
         </p:spPr>
         <p:txBody>
           <a:bodyPr>
-            <a:normAutofit lnSpcReduction="20000"/>
+            <a:normAutofit fontScale="92500"/>
           </a:bodyPr>
-          <a:p>
-            <a:r>
-              <a:rPr lang="en-GB" altLang="en-US" b="1"/>
+          <a:lstStyle/>
+          <a:p>
+            <a:r>
+              <a:rPr lang="en-GB" altLang="en-US" b="1" dirty="0"/>
               <a:t>Pseudo code:</a:t>
             </a:r>
-            <a:endParaRPr lang="en-GB" altLang="en-US" b="1"/>
-          </a:p>
-          <a:p>
-            <a:r>
-              <a:rPr lang="en-GB" altLang="en-US" sz="2000" b="1"/>
+          </a:p>
+          <a:p>
+            <a:r>
+              <a:rPr lang="en-GB" altLang="en-US" sz="2000" b="1" dirty="0"/>
               <a:t>Input A</a:t>
             </a:r>
-            <a:endParaRPr lang="en-GB" altLang="en-US" sz="2000" b="1"/>
-          </a:p>
-          <a:p>
-            <a:r>
-              <a:rPr lang="en-GB" altLang="en-US" sz="2000" b="1"/>
+          </a:p>
+          <a:p>
+            <a:r>
+              <a:rPr lang="en-GB" altLang="en-US" sz="2000" b="1" dirty="0"/>
               <a:t>Input B</a:t>
             </a:r>
-            <a:endParaRPr lang="en-GB" altLang="en-US" sz="2000" b="1"/>
-          </a:p>
-          <a:p>
-            <a:r>
-              <a:rPr lang="en-GB" altLang="en-US" sz="2000" b="1"/>
+          </a:p>
+          <a:p>
+            <a:r>
+              <a:rPr lang="en-GB" altLang="en-US" sz="2000" b="1" dirty="0"/>
               <a:t>Input C</a:t>
             </a:r>
-            <a:endParaRPr lang="en-GB" altLang="en-US" sz="2000" b="1"/>
-          </a:p>
-          <a:p>
-            <a:r>
-              <a:rPr lang="en-GB" altLang="en-US" sz="2000" b="1"/>
+          </a:p>
+          <a:p>
+            <a:r>
+              <a:rPr lang="en-GB" altLang="en-US" sz="2000" b="1" dirty="0"/>
               <a:t>Compute B**2</a:t>
             </a:r>
-            <a:endParaRPr lang="en-GB" altLang="en-US" sz="2000" b="1"/>
-          </a:p>
-          <a:p>
-            <a:r>
-              <a:rPr lang="en-GB" altLang="en-US" sz="2000" b="1"/>
+          </a:p>
+          <a:p>
+            <a:r>
+              <a:rPr lang="en-GB" altLang="en-US" sz="2000" b="1" dirty="0"/>
               <a:t>Compute 2*A</a:t>
             </a:r>
-            <a:endParaRPr lang="en-GB" altLang="en-US" sz="2000" b="1"/>
-          </a:p>
-          <a:p>
-            <a:r>
-              <a:rPr lang="en-GB" altLang="en-US" sz="2000" b="1"/>
+          </a:p>
+          <a:p>
+            <a:r>
+              <a:rPr lang="en-GB" altLang="en-US" sz="2000" b="1" dirty="0"/>
               <a:t>Compute 4*A*C</a:t>
             </a:r>
-            <a:endParaRPr lang="en-GB" altLang="en-US" sz="2000" b="1"/>
-          </a:p>
-          <a:p>
-            <a:r>
-              <a:rPr lang="en-GB" altLang="en-US" sz="2000" b="1"/>
+          </a:p>
+          <a:p>
+            <a:r>
+              <a:rPr lang="en-GB" altLang="en-US" sz="2000" b="1" dirty="0"/>
               <a:t>Compute Radicand = (B**2) - (4*A*C)</a:t>
             </a:r>
-            <a:endParaRPr lang="en-GB" altLang="en-US" sz="2000" b="1"/>
-          </a:p>
-          <a:p>
-            <a:r>
-              <a:rPr lang="en-GB" altLang="en-US" sz="2000" b="1"/>
+          </a:p>
+          <a:p>
+            <a:r>
+              <a:rPr lang="en-GB" altLang="en-US" sz="2000" b="1" dirty="0"/>
               <a:t>Compute  E = SQRT of Radicand</a:t>
             </a:r>
-            <a:endParaRPr lang="en-GB" altLang="en-US" sz="2000" b="1"/>
-          </a:p>
-          <a:p>
-            <a:r>
-              <a:rPr lang="en-GB" altLang="en-US" sz="2000" b="1"/>
+          </a:p>
+          <a:p>
+            <a:r>
+              <a:rPr lang="en-GB" altLang="en-US" sz="2000" b="1" dirty="0"/>
               <a:t>Compute  Q= -B + E </a:t>
             </a:r>
-            <a:endParaRPr lang="en-GB" altLang="en-US" sz="2000" b="1"/>
-          </a:p>
-          <a:p>
-            <a:r>
-              <a:rPr lang="en-GB" altLang="en-US" sz="2000" b="1">
+          </a:p>
+          <a:p>
+            <a:r>
+              <a:rPr lang="en-GB" altLang="en-US" sz="2000" b="1" dirty="0">
                 <a:sym typeface="+mn-ea"/>
               </a:rPr>
               <a:t>Compute  R= (-B - E) </a:t>
             </a:r>
-            <a:endParaRPr lang="en-GB" altLang="en-US" sz="2000" b="1"/>
-          </a:p>
-          <a:p>
-            <a:r>
-              <a:rPr lang="en-GB" altLang="en-US" sz="2000" b="1">
+            <a:endParaRPr lang="en-GB" altLang="en-US" sz="2000" b="1" dirty="0"/>
+          </a:p>
+          <a:p>
+            <a:r>
+              <a:rPr lang="en-GB" altLang="en-US" sz="2000" b="1" dirty="0">
                 <a:sym typeface="+mn-ea"/>
               </a:rPr>
-              <a:t>Compute X1=  (Q</a:t>
-            </a:r>
-            <a:r>
-              <a:rPr lang="en-GB" altLang="en-US" sz="2000" b="1">
+              <a:t>Compute X1=  (Q)/2*A</a:t>
+            </a:r>
+            <a:endParaRPr lang="en-GB" altLang="en-US" sz="2000" b="1" dirty="0"/>
+          </a:p>
+          <a:p>
+            <a:r>
+              <a:rPr lang="en-GB" altLang="en-US" sz="2000" b="1" dirty="0"/>
+              <a:t>Compute X2 = (R</a:t>
+            </a:r>
+            <a:r>
+              <a:rPr lang="en-GB" altLang="en-US" sz="2000" b="1" dirty="0">
                 <a:sym typeface="+mn-ea"/>
               </a:rPr>
               <a:t>)/2*A</a:t>
             </a:r>
-            <a:endParaRPr lang="en-GB" altLang="en-US" sz="2000" b="1"/>
-          </a:p>
-          <a:p>
-            <a:r>
-              <a:rPr lang="en-GB" altLang="en-US" sz="2000" b="1"/>
-              <a:t>Compute X2 = (R</a:t>
-            </a:r>
-            <a:r>
-              <a:rPr lang="en-GB" altLang="en-US" sz="2000" b="1">
-                <a:sym typeface="+mn-ea"/>
-              </a:rPr>
-              <a:t>)/2*A</a:t>
-            </a:r>
-            <a:endParaRPr lang="en-GB" altLang="en-US" sz="2000" b="1">
-              <a:sym typeface="+mn-ea"/>
-            </a:endParaRPr>
-          </a:p>
-          <a:p>
-            <a:r>
-              <a:rPr lang="en-GB" altLang="en-US" sz="2000" b="1"/>
+          </a:p>
+          <a:p>
+            <a:r>
+              <a:rPr lang="en-GB" altLang="en-US" sz="2000" b="1" dirty="0"/>
               <a:t>Print X1 </a:t>
             </a:r>
-            <a:endParaRPr lang="en-GB" altLang="en-US" sz="2000" b="1"/>
-          </a:p>
-          <a:p>
-            <a:r>
-              <a:rPr lang="en-GB" altLang="en-US" sz="2000" b="1"/>
+          </a:p>
+          <a:p>
+            <a:r>
+              <a:rPr lang="en-GB" altLang="en-US" sz="2000" b="1" dirty="0"/>
               <a:t>Print X2 </a:t>
             </a:r>
-            <a:endParaRPr lang="en-GB" altLang="en-US" sz="2000" b="1"/>
-          </a:p>
-          <a:p>
-            <a:endParaRPr lang="en-GB" altLang="en-US" sz="2000" b="1"/>
+          </a:p>
+          <a:p>
+            <a:endParaRPr lang="en-GB" altLang="en-US" sz="2000" b="1" dirty="0"/>
           </a:p>
         </p:txBody>
       </p:sp>
@@ -5292,9 +5309,16 @@
         <p:cNvGrpSpPr/>
         <p:nvPr/>
       </p:nvGrpSpPr>
-      <p:grpSpPr/>
-      <mc:AlternateContent xmlns:mc="http://schemas.openxmlformats.org/markup-compatibility/2006">
-        <mc:Choice xmlns:a14="http://schemas.microsoft.com/office/drawing/2010/main" Requires="a14">
+      <p:grpSpPr>
+        <a:xfrm>
+          <a:off x="0" y="0"/>
+          <a:ext cx="0" cy="0"/>
+          <a:chOff x="0" y="0"/>
+          <a:chExt cx="0" cy="0"/>
+        </a:xfrm>
+      </p:grpSpPr>
+      <mc:AlternateContent xmlns:mc="http://schemas.openxmlformats.org/markup-compatibility/2006" xmlns:a14="http://schemas.microsoft.com/office/drawing/2010/main">
+        <mc:Choice Requires="a14">
           <p:sp>
             <p:nvSpPr>
               <p:cNvPr id="2" name="Title 1"/>
@@ -5315,6 +5339,7 @@
               <a:bodyPr>
                 <a:noAutofit/>
               </a:bodyPr>
+              <a:lstStyle/>
               <a:p>
                 <a:r>
                   <a:rPr lang="en-GB" altLang="en-US" sz="3200"/>
@@ -5326,7 +5351,7 @@
                       <m:sSupPr>
                         <m:ctrlPr>
                           <a:rPr lang="en-US" altLang="en-GB" sz="3200" i="1">
-                            <a:latin typeface="Cambria Math" panose="02040503050406030204" charset="0"/>
+                            <a:latin typeface="Cambria Math" panose="02040503050406030204" pitchFamily="18" charset="0"/>
                             <a:cs typeface="Cambria Math" panose="02040503050406030204" charset="0"/>
                           </a:rPr>
                         </m:ctrlPr>
@@ -5369,7 +5394,7 @@
                         <a:latin typeface="Cambria Math" panose="02040503050406030204" charset="0"/>
                         <a:cs typeface="Cambria Math" panose="02040503050406030204" charset="0"/>
                       </a:rPr>
-                      <m:t>+ </m:t>
+                      <m:t>+ </m:t>
                     </m:r>
                     <m:r>
                       <a:rPr lang="en-US" altLang="en-GB" sz="3200" i="1">
@@ -5383,22 +5408,7 @@
                         <a:latin typeface="Cambria Math" panose="02040503050406030204" charset="0"/>
                         <a:cs typeface="Cambria Math" panose="02040503050406030204" charset="0"/>
                       </a:rPr>
-                      <m:t>= </m:t>
-                    </m:r>
-                    <m:r>
-                      <a:rPr lang="en-US" altLang="en-GB" sz="3200" i="1">
-                        <a:latin typeface="Cambria Math" panose="02040503050406030204" charset="0"/>
-                        <a:cs typeface="Cambria Math" panose="02040503050406030204" charset="0"/>
-                      </a:rPr>
-                      <m:t>0</m:t>
-                    </m:r>
-                    <m:r>
-                      <a:rPr lang="en-US" altLang="en-GB" sz="3200" i="1">
-                        <a:latin typeface="Cambria Math" panose="02040503050406030204" charset="0"/>
-                        <a:ea typeface="MS Mincho" panose="02020609040205080304" charset="-128"/>
-                        <a:cs typeface="Cambria Math" panose="02040503050406030204" charset="0"/>
-                      </a:rPr>
-                      <m:t> </m:t>
+                      <m:t>= 0 </m:t>
                     </m:r>
                   </m:oMath>
                 </a14:m>
@@ -5411,7 +5421,7 @@
             </p:txBody>
           </p:sp>
         </mc:Choice>
-        <mc:Fallback>
+        <mc:Fallback xmlns="">
           <p:sp>
             <p:nvSpPr>
               <p:cNvPr id="2" name="Title 1"/>
@@ -5428,7 +5438,7 @@
                 <a:ext cx="5828665" cy="606425"/>
               </a:xfrm>
               <a:blipFill rotWithShape="1">
-                <a:blip r:embed="rId1"/>
+                <a:blip r:embed="rId2"/>
                 <a:stretch>
                   <a:fillRect/>
                 </a:stretch>
@@ -5482,6 +5492,7 @@
         </p:style>
         <p:txBody>
           <a:bodyPr rtlCol="0" anchor="ctr"/>
+          <a:lstStyle/>
           <a:p>
             <a:pPr algn="ctr"/>
             <a:endParaRPr lang="en-US"/>
@@ -5556,6 +5567,7 @@
         </p:style>
         <p:txBody>
           <a:bodyPr rtlCol="0" anchor="ctr"/>
+          <a:lstStyle/>
           <a:p>
             <a:pPr algn="ctr"/>
             <a:endParaRPr lang="en-US"/>
@@ -5628,6 +5640,7 @@
         </p:style>
         <p:txBody>
           <a:bodyPr rtlCol="0" anchor="ctr"/>
+          <a:lstStyle/>
           <a:p>
             <a:pPr algn="ctr"/>
             <a:endParaRPr lang="en-US"/>
@@ -5702,6 +5715,7 @@
         </p:style>
         <p:txBody>
           <a:bodyPr rtlCol="0" anchor="ctr"/>
+          <a:lstStyle/>
           <a:p>
             <a:pPr algn="ctr"/>
             <a:endParaRPr lang="en-US"/>
@@ -5782,6 +5796,7 @@
         </p:style>
         <p:txBody>
           <a:bodyPr rtlCol="0" anchor="ctr"/>
+          <a:lstStyle/>
           <a:p>
             <a:pPr algn="ctr"/>
             <a:endParaRPr lang="en-US"/>
@@ -5827,6 +5842,7 @@
         </p:style>
         <p:txBody>
           <a:bodyPr rtlCol="0" anchor="ctr"/>
+          <a:lstStyle/>
           <a:p>
             <a:pPr algn="ctr"/>
             <a:endParaRPr lang="en-US"/>
@@ -5872,6 +5888,7 @@
         </p:style>
         <p:txBody>
           <a:bodyPr rtlCol="0" anchor="ctr"/>
+          <a:lstStyle/>
           <a:p>
             <a:pPr algn="ctr"/>
             <a:endParaRPr lang="en-US"/>
@@ -5911,6 +5928,7 @@
         </p:style>
         <p:txBody>
           <a:bodyPr rtlCol="0" anchor="ctr"/>
+          <a:lstStyle/>
           <a:p>
             <a:pPr algn="ctr"/>
             <a:endParaRPr lang="en-US"/>
@@ -5950,6 +5968,7 @@
         </p:style>
         <p:txBody>
           <a:bodyPr rtlCol="0" anchor="ctr"/>
+          <a:lstStyle/>
           <a:p>
             <a:pPr algn="ctr"/>
             <a:endParaRPr lang="en-US"/>
@@ -6011,12 +6030,12 @@
           <a:bodyPr wrap="square" rtlCol="0">
             <a:spAutoFit/>
           </a:bodyPr>
+          <a:lstStyle/>
           <a:p>
             <a:r>
               <a:rPr lang="en-GB" altLang="en-US"/>
               <a:t>Start</a:t>
             </a:r>
-            <a:endParaRPr lang="en-GB" altLang="en-US"/>
           </a:p>
         </p:txBody>
       </p:sp>
@@ -6040,12 +6059,12 @@
           <a:bodyPr wrap="square" rtlCol="0">
             <a:spAutoFit/>
           </a:bodyPr>
+          <a:lstStyle/>
           <a:p>
             <a:r>
               <a:rPr lang="en-GB" altLang="en-US"/>
               <a:t>Input A</a:t>
             </a:r>
-            <a:endParaRPr lang="en-GB" altLang="en-US"/>
           </a:p>
         </p:txBody>
       </p:sp>
@@ -6069,12 +6088,12 @@
           <a:bodyPr wrap="square" rtlCol="0">
             <a:spAutoFit/>
           </a:bodyPr>
+          <a:lstStyle/>
           <a:p>
             <a:r>
               <a:rPr lang="en-GB" altLang="en-US"/>
               <a:t>Input B</a:t>
             </a:r>
-            <a:endParaRPr lang="en-GB" altLang="en-US"/>
           </a:p>
         </p:txBody>
       </p:sp>
@@ -6098,12 +6117,12 @@
           <a:bodyPr wrap="square" rtlCol="0">
             <a:spAutoFit/>
           </a:bodyPr>
+          <a:lstStyle/>
           <a:p>
             <a:r>
               <a:rPr lang="en-GB" altLang="en-US"/>
               <a:t>Input C</a:t>
             </a:r>
-            <a:endParaRPr lang="en-GB" altLang="en-US"/>
           </a:p>
         </p:txBody>
       </p:sp>
@@ -6127,6 +6146,7 @@
           <a:bodyPr wrap="square" rtlCol="0">
             <a:spAutoFit/>
           </a:bodyPr>
+          <a:lstStyle/>
           <a:p>
             <a:r>
               <a:rPr lang="en-GB" altLang="en-US" sz="1600"/>
@@ -6139,7 +6159,6 @@
               <a:rPr lang="en-GB" altLang="en-US"/>
               <a:t>E = SQRT(Radicand)</a:t>
             </a:r>
-            <a:endParaRPr lang="en-GB" altLang="en-US"/>
           </a:p>
         </p:txBody>
       </p:sp>
@@ -6163,19 +6182,18 @@
           <a:bodyPr wrap="square" rtlCol="0">
             <a:spAutoFit/>
           </a:bodyPr>
+          <a:lstStyle/>
           <a:p>
             <a:r>
               <a:rPr lang="en-GB" altLang="en-US"/>
               <a:t>Q=  -B + E</a:t>
             </a:r>
-            <a:endParaRPr lang="en-GB" altLang="en-US"/>
           </a:p>
           <a:p>
             <a:r>
               <a:rPr lang="en-GB" altLang="en-US"/>
               <a:t>R =  (-B - E)</a:t>
             </a:r>
-            <a:endParaRPr lang="en-GB" altLang="en-US"/>
           </a:p>
         </p:txBody>
       </p:sp>
@@ -6199,19 +6217,18 @@
           <a:bodyPr wrap="square" rtlCol="0">
             <a:spAutoFit/>
           </a:bodyPr>
+          <a:lstStyle/>
           <a:p>
             <a:r>
               <a:rPr lang="en-GB" altLang="en-US"/>
               <a:t>X1 = Q / 2 * A</a:t>
             </a:r>
-            <a:endParaRPr lang="en-GB" altLang="en-US"/>
           </a:p>
           <a:p>
             <a:r>
               <a:rPr lang="en-GB" altLang="en-US"/>
               <a:t>X2 = R / 2 * A</a:t>
             </a:r>
-            <a:endParaRPr lang="en-GB" altLang="en-US"/>
           </a:p>
         </p:txBody>
       </p:sp>
@@ -6235,19 +6252,18 @@
           <a:bodyPr wrap="square" rtlCol="0">
             <a:spAutoFit/>
           </a:bodyPr>
+          <a:lstStyle/>
           <a:p>
             <a:r>
               <a:rPr lang="en-GB" altLang="en-US"/>
               <a:t>Print X1</a:t>
             </a:r>
-            <a:endParaRPr lang="en-GB" altLang="en-US"/>
           </a:p>
           <a:p>
             <a:r>
               <a:rPr lang="en-GB" altLang="en-US"/>
               <a:t>Print X2</a:t>
             </a:r>
-            <a:endParaRPr lang="en-GB" altLang="en-US"/>
           </a:p>
         </p:txBody>
       </p:sp>
@@ -6306,12 +6322,12 @@
           <a:bodyPr wrap="square" rtlCol="0">
             <a:spAutoFit/>
           </a:bodyPr>
+          <a:lstStyle/>
           <a:p>
             <a:r>
               <a:rPr lang="en-GB" altLang="en-US"/>
               <a:t>END</a:t>
             </a:r>
-            <a:endParaRPr lang="en-GB" altLang="en-US"/>
           </a:p>
         </p:txBody>
       </p:sp>
@@ -6402,9 +6418,16 @@
         <p:cNvGrpSpPr/>
         <p:nvPr/>
       </p:nvGrpSpPr>
-      <p:grpSpPr/>
-      <mc:AlternateContent xmlns:mc="http://schemas.openxmlformats.org/markup-compatibility/2006">
-        <mc:Choice xmlns:a14="http://schemas.microsoft.com/office/drawing/2010/main" Requires="a14">
+      <p:grpSpPr>
+        <a:xfrm>
+          <a:off x="0" y="0"/>
+          <a:ext cx="0" cy="0"/>
+          <a:chOff x="0" y="0"/>
+          <a:chExt cx="0" cy="0"/>
+        </a:xfrm>
+      </p:grpSpPr>
+      <mc:AlternateContent xmlns:mc="http://schemas.openxmlformats.org/markup-compatibility/2006" xmlns:a14="http://schemas.microsoft.com/office/drawing/2010/main">
+        <mc:Choice Requires="a14">
           <p:sp>
             <p:nvSpPr>
               <p:cNvPr id="2" name="Title 1"/>
@@ -6425,6 +6448,7 @@
               <a:bodyPr>
                 <a:noAutofit/>
               </a:bodyPr>
+              <a:lstStyle/>
               <a:p>
                 <a:r>
                   <a:rPr lang="en-GB" altLang="en-US" sz="2000"/>
@@ -6442,7 +6466,7 @@
                       <m:sSupPr>
                         <m:ctrlPr>
                           <a:rPr lang="en-US" altLang="en-GB" sz="2000" i="1">
-                            <a:latin typeface="Cambria Math" panose="02040503050406030204" charset="0"/>
+                            <a:latin typeface="Cambria Math" panose="02040503050406030204" pitchFamily="18" charset="0"/>
                             <a:cs typeface="Cambria Math" panose="02040503050406030204" charset="0"/>
                           </a:rPr>
                         </m:ctrlPr>
@@ -6484,7 +6508,7 @@
                       <m:sSupPr>
                         <m:ctrlPr>
                           <a:rPr lang="en-US" altLang="en-GB" sz="2000" i="1">
-                            <a:latin typeface="Cambria Math" panose="02040503050406030204" charset="0"/>
+                            <a:latin typeface="Cambria Math" panose="02040503050406030204" pitchFamily="18" charset="0"/>
                             <a:cs typeface="Cambria Math" panose="02040503050406030204" charset="0"/>
                           </a:rPr>
                         </m:ctrlPr>
@@ -6527,7 +6551,7 @@
                         <a:latin typeface="Cambria Math" panose="02040503050406030204" charset="0"/>
                         <a:cs typeface="Cambria Math" panose="02040503050406030204" charset="0"/>
                       </a:rPr>
-                      <m:t>+ </m:t>
+                      <m:t>+ </m:t>
                     </m:r>
                     <m:r>
                       <a:rPr lang="en-US" altLang="en-GB" sz="2000" i="1">
@@ -6541,24 +6565,14 @@
                         <a:latin typeface="Cambria Math" panose="02040503050406030204" charset="0"/>
                         <a:cs typeface="Cambria Math" panose="02040503050406030204" charset="0"/>
                       </a:rPr>
-                      <m:t>= </m:t>
-                    </m:r>
-                    <m:r>
-                      <a:rPr lang="en-US" altLang="en-GB" sz="2000" i="1">
-                        <a:latin typeface="Cambria Math" panose="02040503050406030204" charset="0"/>
-                        <a:cs typeface="Cambria Math" panose="02040503050406030204" charset="0"/>
-                      </a:rPr>
-                      <m:t>0</m:t>
-                    </m:r>
-                    <m:r>
-                      <a:rPr lang="en-US" altLang="en-GB" sz="2000" i="1">
-                        <a:latin typeface="Cambria Math" panose="02040503050406030204" charset="0"/>
-                        <a:cs typeface="Cambria Math" panose="02040503050406030204" charset="0"/>
-                      </a:rPr>
-                      <m:t> </m:t>
+                      <m:t>= 0 </m:t>
                     </m:r>
                   </m:oMath>
                 </a14:m>
+                <a:r>
+                  <a:rPr lang="en-GB" altLang="en-US" sz="2000"/>
+                  <a:t/>
+                </a:r>
                 <a:br>
                   <a:rPr lang="en-GB" altLang="en-US" sz="2000"/>
                 </a:br>
@@ -6567,7 +6581,7 @@
             </p:txBody>
           </p:sp>
         </mc:Choice>
-        <mc:Fallback>
+        <mc:Fallback xmlns="">
           <p:sp>
             <p:nvSpPr>
               <p:cNvPr id="2" name="Title 1"/>
@@ -6584,7 +6598,7 @@
                 <a:ext cx="7475220" cy="596900"/>
               </a:xfrm>
               <a:blipFill rotWithShape="1">
-                <a:blip r:embed="rId1"/>
+                <a:blip r:embed="rId3"/>
                 <a:stretch>
                   <a:fillRect t="-2340"/>
                 </a:stretch>
@@ -6625,14 +6639,15 @@
           <a:bodyPr wrap="square" rtlCol="0">
             <a:spAutoFit/>
           </a:bodyPr>
-          <a:p>
-            <a:r>
-              <a:rPr lang="en-GB" altLang="en-US" sz="2800" b="1">
+          <a:lstStyle/>
+          <a:p>
+            <a:r>
+              <a:rPr lang="en-GB" altLang="en-US" sz="2800" b="1" dirty="0">
                 <a:sym typeface="+mn-ea"/>
               </a:rPr>
               <a:t>Pseudo code:</a:t>
             </a:r>
-            <a:endParaRPr lang="en-GB" altLang="en-US" sz="2800" b="1"/>
+            <a:endParaRPr lang="en-GB" altLang="en-US" sz="2800" b="1" dirty="0"/>
           </a:p>
           <a:p>
             <a:pPr marL="285750" indent="-285750">
@@ -6640,12 +6655,12 @@
               <a:buChar char="•"/>
             </a:pPr>
             <a:r>
-              <a:rPr lang="en-GB" altLang="en-US" b="1">
+              <a:rPr lang="en-GB" altLang="en-US" b="1" dirty="0">
                 <a:sym typeface="+mn-ea"/>
               </a:rPr>
               <a:t>Input A</a:t>
             </a:r>
-            <a:endParaRPr lang="en-GB" altLang="en-US" b="1"/>
+            <a:endParaRPr lang="en-GB" altLang="en-US" b="1" dirty="0"/>
           </a:p>
           <a:p>
             <a:pPr marL="285750" indent="-285750">
@@ -6653,12 +6668,12 @@
               <a:buChar char="•"/>
             </a:pPr>
             <a:r>
-              <a:rPr lang="en-GB" altLang="en-US" b="1">
+              <a:rPr lang="en-GB" altLang="en-US" b="1" dirty="0">
                 <a:sym typeface="+mn-ea"/>
               </a:rPr>
               <a:t>Input B</a:t>
             </a:r>
-            <a:endParaRPr lang="en-GB" altLang="en-US" b="1"/>
+            <a:endParaRPr lang="en-GB" altLang="en-US" b="1" dirty="0"/>
           </a:p>
           <a:p>
             <a:pPr marL="285750" indent="-285750">
@@ -6666,12 +6681,12 @@
               <a:buChar char="•"/>
             </a:pPr>
             <a:r>
-              <a:rPr lang="en-GB" altLang="en-US" b="1">
+              <a:rPr lang="en-GB" altLang="en-US" b="1" dirty="0">
                 <a:sym typeface="+mn-ea"/>
               </a:rPr>
               <a:t>Input C</a:t>
             </a:r>
-            <a:endParaRPr lang="en-GB" altLang="en-US" b="1"/>
+            <a:endParaRPr lang="en-GB" altLang="en-US" b="1" dirty="0"/>
           </a:p>
           <a:p>
             <a:pPr marL="285750" indent="-285750">
@@ -6679,10 +6694,9 @@
               <a:buChar char="•"/>
             </a:pPr>
             <a:r>
-              <a:rPr lang="en-GB" altLang="en-US" b="1"/>
+              <a:rPr lang="en-GB" altLang="en-US" b="1" dirty="0"/>
               <a:t>Input D</a:t>
             </a:r>
-            <a:endParaRPr lang="en-GB" altLang="en-US" b="1"/>
           </a:p>
           <a:p>
             <a:pPr marL="285750" indent="-285750">
@@ -6690,10 +6704,9 @@
               <a:buChar char="•"/>
             </a:pPr>
             <a:r>
-              <a:rPr lang="en-GB" altLang="en-US" b="1"/>
+              <a:rPr lang="en-GB" altLang="en-US" b="1" dirty="0"/>
               <a:t>Compute A1 = B/A</a:t>
             </a:r>
-            <a:endParaRPr lang="en-GB" altLang="en-US" b="1"/>
           </a:p>
           <a:p>
             <a:pPr marL="285750" indent="-285750">
@@ -6701,10 +6714,9 @@
               <a:buChar char="•"/>
             </a:pPr>
             <a:r>
-              <a:rPr lang="en-GB" altLang="en-US" b="1"/>
+              <a:rPr lang="en-GB" altLang="en-US" b="1" dirty="0"/>
               <a:t>Compute A2 = C/A</a:t>
             </a:r>
-            <a:endParaRPr lang="en-GB" altLang="en-US" b="1"/>
           </a:p>
           <a:p>
             <a:pPr marL="285750" indent="-285750">
@@ -6712,10 +6724,9 @@
               <a:buChar char="•"/>
             </a:pPr>
             <a:r>
-              <a:rPr lang="en-GB" altLang="en-US" b="1"/>
+              <a:rPr lang="en-GB" altLang="en-US" b="1" dirty="0"/>
               <a:t>Compute A3 = D/A</a:t>
             </a:r>
-            <a:endParaRPr lang="en-GB" altLang="en-US" b="1"/>
           </a:p>
           <a:p>
             <a:pPr marL="285750" indent="-285750">
@@ -6723,10 +6734,9 @@
               <a:buChar char="•"/>
             </a:pPr>
             <a:r>
-              <a:rPr lang="en-GB" altLang="en-US" b="1"/>
+              <a:rPr lang="en-GB" altLang="en-US" b="1" dirty="0"/>
               <a:t>Compute Q = ((3*A2) - (A1**2))/9</a:t>
             </a:r>
-            <a:endParaRPr lang="en-GB" altLang="en-US" b="1"/>
           </a:p>
           <a:p>
             <a:pPr marL="285750" indent="-285750">
@@ -6734,10 +6744,9 @@
               <a:buChar char="•"/>
             </a:pPr>
             <a:r>
-              <a:rPr lang="en-GB" altLang="en-US" b="1"/>
+              <a:rPr lang="en-GB" altLang="en-US" b="1" dirty="0"/>
               <a:t>Compute R = ((9*A2*A1) - (27*A3) - (2(A1)**3)/54</a:t>
             </a:r>
-            <a:endParaRPr lang="en-GB" altLang="en-US" b="1"/>
           </a:p>
           <a:p>
             <a:pPr marL="285750" indent="-285750">
@@ -6745,10 +6754,9 @@
               <a:buChar char="•"/>
             </a:pPr>
             <a:r>
-              <a:rPr lang="en-GB" altLang="en-US" b="1"/>
+              <a:rPr lang="en-GB" altLang="en-US" b="1" dirty="0"/>
               <a:t>Compute S = (CUBRT(R + SQRT((Q**3) - (R**2))</a:t>
             </a:r>
-            <a:endParaRPr lang="en-GB" altLang="en-US" b="1"/>
           </a:p>
           <a:p>
             <a:pPr marL="285750" indent="-285750">
@@ -6756,18 +6764,15 @@
               <a:buChar char="•"/>
             </a:pPr>
             <a:r>
-              <a:rPr lang="en-GB" altLang="en-US" b="1"/>
+              <a:rPr lang="en-GB" altLang="en-US" b="1" dirty="0"/>
               <a:t>Compute T = </a:t>
             </a:r>
             <a:r>
-              <a:rPr lang="en-GB" altLang="en-US" b="1">
+              <a:rPr lang="en-GB" altLang="en-US" b="1" dirty="0">
                 <a:sym typeface="+mn-ea"/>
               </a:rPr>
               <a:t>(CUBRT(R - SQRT((Q**3) - (R**2))</a:t>
             </a:r>
-            <a:endParaRPr lang="en-GB" altLang="en-US" b="1">
-              <a:sym typeface="+mn-ea"/>
-            </a:endParaRPr>
           </a:p>
           <a:p>
             <a:pPr marL="285750" indent="-285750">
@@ -6775,10 +6780,9 @@
               <a:buChar char="•"/>
             </a:pPr>
             <a:r>
-              <a:rPr lang="en-GB" altLang="en-US" b="1"/>
+              <a:rPr lang="en-GB" altLang="en-US" b="1" dirty="0"/>
               <a:t>Compute X1 = S + T -  1/3 * (A1)</a:t>
             </a:r>
-            <a:endParaRPr lang="en-GB" altLang="en-US" b="1"/>
           </a:p>
           <a:p>
             <a:pPr marL="285750" indent="-285750">
@@ -6786,16 +6790,28 @@
               <a:buChar char="•"/>
             </a:pPr>
             <a:r>
-              <a:rPr lang="en-GB" altLang="en-US" b="1"/>
+              <a:rPr lang="en-GB" altLang="en-US" b="1" dirty="0"/>
               <a:t>Compute X2 = 1/2 * (S +T) -  </a:t>
             </a:r>
             <a:r>
-              <a:rPr lang="en-GB" altLang="en-US" b="1">
+              <a:rPr lang="en-GB" altLang="en-US" b="1" dirty="0">
                 <a:sym typeface="+mn-ea"/>
               </a:rPr>
-              <a:t> 1/3 * (A1) + 1/2 * (i *SQRT (3) ) * (S - T)</a:t>
-            </a:r>
-            <a:endParaRPr lang="en-GB" altLang="en-US" b="1"/>
+              <a:t> 1/3 * (A1) + 1/2 * (</a:t>
+            </a:r>
+            <a:r>
+              <a:rPr lang="en-GB" altLang="en-US" b="1" dirty="0" err="1">
+                <a:sym typeface="+mn-ea"/>
+              </a:rPr>
+              <a:t>i</a:t>
+            </a:r>
+            <a:r>
+              <a:rPr lang="en-GB" altLang="en-US" b="1" dirty="0">
+                <a:sym typeface="+mn-ea"/>
+              </a:rPr>
+              <a:t> *SQRT (3) ) * (S - T)</a:t>
+            </a:r>
+            <a:endParaRPr lang="en-GB" altLang="en-US" b="1" dirty="0"/>
           </a:p>
           <a:p>
             <a:pPr marL="285750" indent="-285750">
@@ -6803,20 +6819,23 @@
               <a:buChar char="•"/>
             </a:pPr>
             <a:r>
-              <a:rPr lang="en-GB" altLang="en-US" b="1">
+              <a:rPr lang="en-GB" altLang="en-US" b="1" dirty="0">
                 <a:sym typeface="+mn-ea"/>
               </a:rPr>
-              <a:t>Compute X3 = 1/2 * (S +T) +  </a:t>
-            </a:r>
-            <a:r>
-              <a:rPr lang="en-GB" altLang="en-US" b="1">
+              <a:t>Compute X3 = 1/2 * (S +T) +   1/3 * (A1) + 1/2 * (</a:t>
+            </a:r>
+            <a:r>
+              <a:rPr lang="en-GB" altLang="en-US" b="1" dirty="0" err="1">
                 <a:sym typeface="+mn-ea"/>
               </a:rPr>
-              <a:t> 1/3 * (A1) + 1/2 * (i *SQRT (3) ) * (S - T)</a:t>
-            </a:r>
-            <a:endParaRPr lang="en-GB" altLang="en-US" b="1">
-              <a:sym typeface="+mn-ea"/>
-            </a:endParaRPr>
+              <a:t>i</a:t>
+            </a:r>
+            <a:r>
+              <a:rPr lang="en-GB" altLang="en-US" b="1" dirty="0">
+                <a:sym typeface="+mn-ea"/>
+              </a:rPr>
+              <a:t> *SQRT (3) ) * (S - T)</a:t>
+            </a:r>
           </a:p>
           <a:p>
             <a:pPr marL="285750" indent="-285750">
@@ -6824,10 +6843,9 @@
               <a:buChar char="•"/>
             </a:pPr>
             <a:r>
-              <a:rPr lang="en-GB" altLang="en-US" b="1"/>
+              <a:rPr lang="en-GB" altLang="en-US" b="1" dirty="0"/>
               <a:t>Print X1</a:t>
             </a:r>
-            <a:endParaRPr lang="en-GB" altLang="en-US" b="1"/>
           </a:p>
           <a:p>
             <a:pPr marL="285750" indent="-285750">
@@ -6835,10 +6853,9 @@
               <a:buChar char="•"/>
             </a:pPr>
             <a:r>
-              <a:rPr lang="en-GB" altLang="en-US" b="1"/>
+              <a:rPr lang="en-GB" altLang="en-US" b="1" dirty="0"/>
               <a:t>Print X2</a:t>
             </a:r>
-            <a:endParaRPr lang="en-GB" altLang="en-US" b="1"/>
           </a:p>
           <a:p>
             <a:pPr marL="285750" indent="-285750">
@@ -6846,17 +6863,16 @@
               <a:buChar char="•"/>
             </a:pPr>
             <a:r>
-              <a:rPr lang="en-GB" altLang="en-US" b="1"/>
+              <a:rPr lang="en-GB" altLang="en-US" b="1" dirty="0"/>
               <a:t>Print X3</a:t>
             </a:r>
-            <a:endParaRPr lang="en-GB" altLang="en-US" b="1"/>
           </a:p>
           <a:p>
             <a:pPr marL="285750" indent="-285750">
               <a:buFont typeface="Arial" panose="020B0604020202020204" pitchFamily="34" charset="0"/>
               <a:buChar char="•"/>
             </a:pPr>
-            <a:endParaRPr lang="en-GB" altLang="en-US" b="1"/>
+            <a:endParaRPr lang="en-GB" altLang="en-US" b="1" dirty="0"/>
           </a:p>
         </p:txBody>
       </p:sp>
@@ -6877,9 +6893,16 @@
         <p:cNvGrpSpPr/>
         <p:nvPr/>
       </p:nvGrpSpPr>
-      <p:grpSpPr/>
-      <mc:AlternateContent xmlns:mc="http://schemas.openxmlformats.org/markup-compatibility/2006">
-        <mc:Choice xmlns:a14="http://schemas.microsoft.com/office/drawing/2010/main" Requires="a14">
+      <p:grpSpPr>
+        <a:xfrm>
+          <a:off x="0" y="0"/>
+          <a:ext cx="0" cy="0"/>
+          <a:chOff x="0" y="0"/>
+          <a:chExt cx="0" cy="0"/>
+        </a:xfrm>
+      </p:grpSpPr>
+      <mc:AlternateContent xmlns:mc="http://schemas.openxmlformats.org/markup-compatibility/2006" xmlns:a14="http://schemas.microsoft.com/office/drawing/2010/main">
+        <mc:Choice Requires="a14">
           <p:sp>
             <p:nvSpPr>
               <p:cNvPr id="2" name="Title 1"/>
@@ -6900,6 +6923,7 @@
               <a:bodyPr>
                 <a:normAutofit fontScale="90000"/>
               </a:bodyPr>
+              <a:lstStyle/>
               <a:p>
                 <a:r>
                   <a:rPr lang="en-GB" altLang="en-US" sz="2700"/>
@@ -6911,7 +6935,7 @@
                       <m:sSupPr>
                         <m:ctrlPr>
                           <a:rPr lang="en-US" altLang="en-GB" sz="2700" i="1">
-                            <a:latin typeface="Cambria Math" panose="02040503050406030204" charset="0"/>
+                            <a:latin typeface="Cambria Math" panose="02040503050406030204" pitchFamily="18" charset="0"/>
                             <a:cs typeface="Cambria Math" panose="02040503050406030204" charset="0"/>
                           </a:rPr>
                         </m:ctrlPr>
@@ -6953,7 +6977,7 @@
                       <m:sSupPr>
                         <m:ctrlPr>
                           <a:rPr lang="en-US" altLang="en-GB" sz="2700" i="1">
-                            <a:latin typeface="Cambria Math" panose="02040503050406030204" charset="0"/>
+                            <a:latin typeface="Cambria Math" panose="02040503050406030204" pitchFamily="18" charset="0"/>
                             <a:cs typeface="Cambria Math" panose="02040503050406030204" charset="0"/>
                           </a:rPr>
                         </m:ctrlPr>
@@ -6996,7 +7020,7 @@
                         <a:latin typeface="Cambria Math" panose="02040503050406030204" charset="0"/>
                         <a:cs typeface="Cambria Math" panose="02040503050406030204" charset="0"/>
                       </a:rPr>
-                      <m:t>+ </m:t>
+                      <m:t>+ </m:t>
                     </m:r>
                     <m:r>
                       <a:rPr lang="en-US" altLang="en-GB" sz="2700" i="1">
@@ -7010,24 +7034,16 @@
                         <a:latin typeface="Cambria Math" panose="02040503050406030204" charset="0"/>
                         <a:cs typeface="Cambria Math" panose="02040503050406030204" charset="0"/>
                       </a:rPr>
-                      <m:t>= </m:t>
-                    </m:r>
-                    <m:r>
-                      <a:rPr lang="en-US" altLang="en-GB" sz="2700" i="1">
-                        <a:latin typeface="Cambria Math" panose="02040503050406030204" charset="0"/>
-                        <a:cs typeface="Cambria Math" panose="02040503050406030204" charset="0"/>
-                      </a:rPr>
-                      <m:t>0</m:t>
-                    </m:r>
-                    <m:r>
-                      <a:rPr lang="en-US" altLang="en-GB" sz="2700" i="1">
-                        <a:latin typeface="Cambria Math" panose="02040503050406030204" charset="0"/>
-                        <a:cs typeface="Cambria Math" panose="02040503050406030204" charset="0"/>
-                      </a:rPr>
-                      <m:t> </m:t>
+                      <m:t>= 0 </m:t>
                     </m:r>
                   </m:oMath>
                 </a14:m>
+                <a:r>
+                  <a:rPr lang="en-GB" altLang="en-US">
+                    <a:sym typeface="+mn-ea"/>
+                  </a:rPr>
+                  <a:t/>
+                </a:r>
                 <a:br>
                   <a:rPr lang="en-GB" altLang="en-US">
                     <a:sym typeface="+mn-ea"/>
@@ -7038,7 +7054,7 @@
             </p:txBody>
           </p:sp>
         </mc:Choice>
-        <mc:Fallback>
+        <mc:Fallback xmlns="">
           <p:sp>
             <p:nvSpPr>
               <p:cNvPr id="2" name="Title 1"/>
@@ -7055,7 +7071,7 @@
                 <a:ext cx="7007860" cy="853440"/>
               </a:xfrm>
               <a:blipFill rotWithShape="1">
-                <a:blip r:embed="rId1"/>
+                <a:blip r:embed="rId2"/>
                 <a:stretch>
                   <a:fillRect t="-6920" b="-893"/>
                 </a:stretch>
@@ -7109,6 +7125,7 @@
         </p:style>
         <p:txBody>
           <a:bodyPr rtlCol="0" anchor="ctr"/>
+          <a:lstStyle/>
           <a:p>
             <a:pPr algn="ctr"/>
             <a:endParaRPr lang="en-US"/>
@@ -7183,6 +7200,7 @@
         </p:style>
         <p:txBody>
           <a:bodyPr rtlCol="0" anchor="ctr"/>
+          <a:lstStyle/>
           <a:p>
             <a:pPr algn="ctr"/>
             <a:endParaRPr lang="en-US"/>
@@ -7258,6 +7276,7 @@
         </p:style>
         <p:txBody>
           <a:bodyPr rtlCol="0" anchor="ctr"/>
+          <a:lstStyle/>
           <a:p>
             <a:pPr algn="ctr"/>
             <a:endParaRPr lang="en-US"/>
@@ -7335,6 +7354,7 @@
         </p:style>
         <p:txBody>
           <a:bodyPr rtlCol="0" anchor="ctr"/>
+          <a:lstStyle/>
           <a:p>
             <a:pPr algn="ctr"/>
             <a:endParaRPr lang="en-US"/>
@@ -7445,6 +7465,7 @@
         </p:style>
         <p:txBody>
           <a:bodyPr rtlCol="0" anchor="ctr"/>
+          <a:lstStyle/>
           <a:p>
             <a:pPr algn="ctr"/>
             <a:endParaRPr lang="en-US"/>
@@ -7484,6 +7505,7 @@
         </p:style>
         <p:txBody>
           <a:bodyPr rtlCol="0" anchor="ctr"/>
+          <a:lstStyle/>
           <a:p>
             <a:pPr algn="ctr"/>
             <a:endParaRPr lang="en-US"/>
@@ -7523,6 +7545,7 @@
         </p:style>
         <p:txBody>
           <a:bodyPr rtlCol="0" anchor="ctr"/>
+          <a:lstStyle/>
           <a:p>
             <a:pPr algn="ctr"/>
             <a:endParaRPr lang="en-US"/>
@@ -7549,12 +7572,12 @@
           <a:bodyPr wrap="square" rtlCol="0">
             <a:spAutoFit/>
           </a:bodyPr>
+          <a:lstStyle/>
           <a:p>
             <a:r>
               <a:rPr lang="en-GB" altLang="en-US" sz="2000"/>
               <a:t>Start</a:t>
             </a:r>
-            <a:endParaRPr lang="en-GB" altLang="en-US" sz="2000"/>
           </a:p>
         </p:txBody>
       </p:sp>
@@ -7578,33 +7601,30 @@
           <a:bodyPr wrap="square" rtlCol="0">
             <a:spAutoFit/>
           </a:bodyPr>
+          <a:lstStyle/>
           <a:p>
             <a:r>
               <a:rPr lang="en-GB" altLang="en-US" sz="1400"/>
               <a:t>Input A</a:t>
             </a:r>
-            <a:endParaRPr lang="en-GB" altLang="en-US" sz="1400"/>
           </a:p>
           <a:p>
             <a:r>
               <a:rPr lang="en-GB" altLang="en-US" sz="1400"/>
               <a:t>Input B</a:t>
             </a:r>
-            <a:endParaRPr lang="en-GB" altLang="en-US" sz="1400"/>
           </a:p>
           <a:p>
             <a:r>
               <a:rPr lang="en-GB" altLang="en-US" sz="1400"/>
               <a:t>Input C</a:t>
             </a:r>
-            <a:endParaRPr lang="en-GB" altLang="en-US" sz="1400"/>
           </a:p>
           <a:p>
             <a:r>
               <a:rPr lang="en-GB" altLang="en-US" sz="1400"/>
               <a:t>Input D</a:t>
             </a:r>
-            <a:endParaRPr lang="en-GB" altLang="en-US" sz="1400"/>
           </a:p>
         </p:txBody>
       </p:sp>
@@ -7628,26 +7648,24 @@
           <a:bodyPr wrap="square" rtlCol="0">
             <a:spAutoFit/>
           </a:bodyPr>
+          <a:lstStyle/>
           <a:p>
             <a:r>
               <a:rPr lang="en-GB" altLang="en-US"/>
               <a:t>A1 = B/ A</a:t>
             </a:r>
-            <a:endParaRPr lang="en-GB" altLang="en-US"/>
           </a:p>
           <a:p>
             <a:r>
               <a:rPr lang="en-GB" altLang="en-US"/>
               <a:t>A2 = C/A</a:t>
             </a:r>
-            <a:endParaRPr lang="en-GB" altLang="en-US"/>
           </a:p>
           <a:p>
             <a:r>
               <a:rPr lang="en-GB" altLang="en-US"/>
               <a:t>A3 = D/A</a:t>
             </a:r>
-            <a:endParaRPr lang="en-GB" altLang="en-US"/>
           </a:p>
         </p:txBody>
       </p:sp>
@@ -7671,6 +7689,7 @@
           <a:bodyPr wrap="square" rtlCol="0">
             <a:spAutoFit/>
           </a:bodyPr>
+          <a:lstStyle/>
           <a:p>
             <a:r>
               <a:rPr lang="en-GB" altLang="en-US" b="1">
@@ -7678,26 +7697,14 @@
               </a:rPr>
               <a:t>S = (CUBRT(R + SQRT((Q**3) - (R**2))</a:t>
             </a:r>
-            <a:endParaRPr lang="en-GB" altLang="en-US" b="1">
-              <a:sym typeface="+mn-ea"/>
-            </a:endParaRPr>
           </a:p>
           <a:p>
             <a:r>
               <a:rPr lang="en-GB" altLang="en-US" b="1">
                 <a:sym typeface="+mn-ea"/>
               </a:rPr>
-              <a:t>T = </a:t>
-            </a:r>
-            <a:r>
-              <a:rPr lang="en-GB" altLang="en-US" b="1">
-                <a:sym typeface="+mn-ea"/>
-              </a:rPr>
-              <a:t>(CUBRT(R - SQRT((Q**3) - (R**2))</a:t>
-            </a:r>
-            <a:endParaRPr lang="en-GB" altLang="en-US" b="1">
-              <a:sym typeface="+mn-ea"/>
-            </a:endParaRPr>
+              <a:t>T = (CUBRT(R - SQRT((Q**3) - (R**2))</a:t>
+            </a:r>
           </a:p>
           <a:p>
             <a:endParaRPr lang="en-GB" altLang="en-US" b="1"/>
@@ -7727,6 +7734,7 @@
           <a:bodyPr wrap="square" rtlCol="0">
             <a:spAutoFit/>
           </a:bodyPr>
+          <a:lstStyle/>
           <a:p>
             <a:r>
               <a:rPr lang="en-GB" altLang="en-US" b="1">
@@ -7734,22 +7742,13 @@
               </a:rPr>
               <a:t>X1 = S + T -  1/3 * (A1)</a:t>
             </a:r>
-            <a:endParaRPr lang="en-GB" altLang="en-US" b="1">
-              <a:sym typeface="+mn-ea"/>
-            </a:endParaRPr>
           </a:p>
           <a:p>
             <a:r>
               <a:rPr lang="en-GB" altLang="en-US" b="1">
                 <a:sym typeface="+mn-ea"/>
               </a:rPr>
-              <a:t>X2 = 1/2 * (S +T) -  </a:t>
-            </a:r>
-            <a:r>
-              <a:rPr lang="en-GB" altLang="en-US" b="1">
-                <a:sym typeface="+mn-ea"/>
-              </a:rPr>
-              <a:t> 1/3 * (A1) + 1/2 * (i *SQRT (3) ) * (S - T)</a:t>
+              <a:t>X2 = 1/2 * (S +T) -   1/3 * (A1) + 1/2 * (i *SQRT (3) ) * (S - T)</a:t>
             </a:r>
             <a:endParaRPr lang="en-GB" altLang="en-US" b="1"/>
           </a:p>
@@ -7855,12 +7854,12 @@
           <a:bodyPr wrap="square" rtlCol="0">
             <a:spAutoFit/>
           </a:bodyPr>
+          <a:lstStyle/>
           <a:p>
             <a:r>
               <a:rPr lang="en-GB" altLang="en-US"/>
               <a:t>END</a:t>
             </a:r>
-            <a:endParaRPr lang="en-GB" altLang="en-US"/>
           </a:p>
         </p:txBody>
       </p:sp>
@@ -7884,26 +7883,24 @@
           <a:bodyPr wrap="square" rtlCol="0">
             <a:spAutoFit/>
           </a:bodyPr>
+          <a:lstStyle/>
           <a:p>
             <a:r>
               <a:rPr lang="en-GB" altLang="en-US"/>
               <a:t>Print X1</a:t>
             </a:r>
-            <a:endParaRPr lang="en-GB" altLang="en-US"/>
           </a:p>
           <a:p>
             <a:r>
               <a:rPr lang="en-GB" altLang="en-US"/>
               <a:t>Print X2</a:t>
             </a:r>
-            <a:endParaRPr lang="en-GB" altLang="en-US"/>
           </a:p>
           <a:p>
             <a:r>
               <a:rPr lang="en-GB" altLang="en-US"/>
               <a:t>Print X3</a:t>
             </a:r>
-            <a:endParaRPr lang="en-GB" altLang="en-US"/>
           </a:p>
         </p:txBody>
       </p:sp>
@@ -7943,6 +7940,7 @@
         </p:style>
         <p:txBody>
           <a:bodyPr rtlCol="0" anchor="ctr"/>
+          <a:lstStyle/>
           <a:p>
             <a:pPr algn="ctr"/>
             <a:endParaRPr lang="en-US"/>
@@ -7969,6 +7967,7 @@
           <a:bodyPr wrap="square" rtlCol="0">
             <a:spAutoFit/>
           </a:bodyPr>
+          <a:lstStyle/>
           <a:p>
             <a:r>
               <a:rPr lang="en-GB" altLang="en-US" b="1">
@@ -7976,9 +7975,6 @@
               </a:rPr>
               <a:t>Q = ((3*A2) - (A1**2))/9</a:t>
             </a:r>
-            <a:endParaRPr lang="en-GB" altLang="en-US" b="1">
-              <a:sym typeface="+mn-ea"/>
-            </a:endParaRPr>
           </a:p>
           <a:p>
             <a:r>
@@ -8011,7 +8007,14 @@
         <p:cNvGrpSpPr/>
         <p:nvPr/>
       </p:nvGrpSpPr>
-      <p:grpSpPr/>
+      <p:grpSpPr>
+        <a:xfrm>
+          <a:off x="0" y="0"/>
+          <a:ext cx="0" cy="0"/>
+          <a:chOff x="0" y="0"/>
+          <a:chExt cx="0" cy="0"/>
+        </a:xfrm>
+      </p:grpSpPr>
       <p:sp>
         <p:nvSpPr>
           <p:cNvPr id="2" name="Title 1"/>
@@ -8032,12 +8035,12 @@
           <a:bodyPr>
             <a:normAutofit/>
           </a:bodyPr>
+          <a:lstStyle/>
           <a:p>
             <a:r>
               <a:rPr lang="en-GB" altLang="en-US" sz="2000"/>
               <a:t>3. Find the largest of three numbers. </a:t>
             </a:r>
-            <a:endParaRPr lang="en-GB" altLang="en-US" sz="2000"/>
           </a:p>
         </p:txBody>
       </p:sp>
@@ -8061,142 +8064,259 @@
           <a:bodyPr>
             <a:normAutofit/>
           </a:bodyPr>
-          <a:p>
-            <a:r>
-              <a:rPr lang="en-GB" altLang="en-US" sz="3200" b="1">
+          <a:lstStyle/>
+          <a:p>
+            <a:r>
+              <a:rPr lang="en-GB" altLang="en-US" sz="3200" b="1" dirty="0">
                 <a:sym typeface="+mn-ea"/>
               </a:rPr>
               <a:t>Pseudo code:</a:t>
             </a:r>
-            <a:endParaRPr lang="en-GB" altLang="en-US" sz="3200" b="1">
-              <a:sym typeface="+mn-ea"/>
-            </a:endParaRPr>
-          </a:p>
-          <a:p>
-            <a:r>
-              <a:rPr lang="en-GB" altLang="en-US" sz="2400" b="1"/>
-              <a:t>Input Num 1 </a:t>
-            </a:r>
-            <a:endParaRPr lang="en-GB" altLang="en-US" sz="2400" b="1"/>
-          </a:p>
-          <a:p>
-            <a:r>
-              <a:rPr lang="en-GB" altLang="en-US" sz="2400" b="1"/>
-              <a:t>Input Num 2</a:t>
-            </a:r>
-            <a:endParaRPr lang="en-GB" altLang="en-US" sz="2400" b="1"/>
-          </a:p>
-          <a:p>
-            <a:r>
-              <a:rPr lang="en-GB" altLang="en-US" sz="2400" b="1"/>
-              <a:t>Input Num 3</a:t>
-            </a:r>
-            <a:endParaRPr lang="en-GB" altLang="en-US" sz="2400" b="1"/>
-          </a:p>
-          <a:p>
-            <a:r>
-              <a:rPr lang="en-GB" altLang="en-US" sz="2400" b="1"/>
-              <a:t>If Num 1 &gt; Num 2 and Num 1 &gt; Num 3</a:t>
-            </a:r>
-            <a:endParaRPr lang="en-GB" altLang="en-US" sz="2400" b="1"/>
-          </a:p>
-          <a:p>
-            <a:r>
-              <a:rPr lang="en-GB" altLang="en-US" sz="2400" b="1"/>
+          </a:p>
+          <a:p>
+            <a:r>
+              <a:rPr lang="en-GB" altLang="en-US" sz="2400" b="1" dirty="0"/>
+              <a:t>Input </a:t>
+            </a:r>
+            <a:r>
+              <a:rPr lang="en-GB" altLang="en-US" sz="2400" b="1" dirty="0" err="1"/>
+              <a:t>Num</a:t>
+            </a:r>
+            <a:r>
+              <a:rPr lang="en-GB" altLang="en-US" sz="2400" b="1" dirty="0"/>
+              <a:t> 1 </a:t>
+            </a:r>
+          </a:p>
+          <a:p>
+            <a:r>
+              <a:rPr lang="en-GB" altLang="en-US" sz="2400" b="1" dirty="0"/>
+              <a:t>Input </a:t>
+            </a:r>
+            <a:r>
+              <a:rPr lang="en-GB" altLang="en-US" sz="2400" b="1" dirty="0" err="1"/>
+              <a:t>Num</a:t>
+            </a:r>
+            <a:r>
+              <a:rPr lang="en-GB" altLang="en-US" sz="2400" b="1" dirty="0"/>
+              <a:t> 2</a:t>
+            </a:r>
+          </a:p>
+          <a:p>
+            <a:r>
+              <a:rPr lang="en-GB" altLang="en-US" sz="2400" b="1" dirty="0"/>
+              <a:t>Input </a:t>
+            </a:r>
+            <a:r>
+              <a:rPr lang="en-GB" altLang="en-US" sz="2400" b="1" dirty="0" err="1"/>
+              <a:t>Num</a:t>
+            </a:r>
+            <a:r>
+              <a:rPr lang="en-GB" altLang="en-US" sz="2400" b="1" dirty="0"/>
+              <a:t> 3</a:t>
+            </a:r>
+          </a:p>
+          <a:p>
+            <a:r>
+              <a:rPr lang="en-GB" altLang="en-US" sz="2400" b="1" dirty="0"/>
+              <a:t>If </a:t>
+            </a:r>
+            <a:r>
+              <a:rPr lang="en-GB" altLang="en-US" sz="2400" b="1" dirty="0" err="1"/>
+              <a:t>Num</a:t>
+            </a:r>
+            <a:r>
+              <a:rPr lang="en-GB" altLang="en-US" sz="2400" b="1" dirty="0"/>
+              <a:t> 1 &gt; </a:t>
+            </a:r>
+            <a:r>
+              <a:rPr lang="en-GB" altLang="en-US" sz="2400" b="1" dirty="0" err="1"/>
+              <a:t>Num</a:t>
+            </a:r>
+            <a:r>
+              <a:rPr lang="en-GB" altLang="en-US" sz="2400" b="1" dirty="0"/>
+              <a:t> 2 and </a:t>
+            </a:r>
+            <a:r>
+              <a:rPr lang="en-GB" altLang="en-US" sz="2400" b="1" dirty="0" err="1"/>
+              <a:t>Num</a:t>
+            </a:r>
+            <a:r>
+              <a:rPr lang="en-GB" altLang="en-US" sz="2400" b="1" dirty="0"/>
+              <a:t> 1 &gt; </a:t>
+            </a:r>
+            <a:r>
+              <a:rPr lang="en-GB" altLang="en-US" sz="2400" b="1" dirty="0" err="1"/>
+              <a:t>Num</a:t>
+            </a:r>
+            <a:r>
+              <a:rPr lang="en-GB" altLang="en-US" sz="2400" b="1" dirty="0"/>
+              <a:t> 3</a:t>
+            </a:r>
+          </a:p>
+          <a:p>
+            <a:r>
+              <a:rPr lang="en-GB" altLang="en-US" sz="2400" b="1" dirty="0"/>
               <a:t> Print ‘The largest number is ’  , Num1 </a:t>
             </a:r>
-            <a:endParaRPr lang="en-GB" altLang="en-US" sz="2400" b="1"/>
-          </a:p>
-          <a:p>
-            <a:r>
-              <a:rPr lang="en-GB" altLang="en-US" sz="2400" b="1"/>
-              <a:t>If Num 2 &gt; Num 3 and Num 2 &gt; Num 1</a:t>
-            </a:r>
-            <a:endParaRPr lang="en-GB" altLang="en-US" sz="2400" b="1"/>
-          </a:p>
-          <a:p>
-            <a:r>
-              <a:rPr lang="en-GB" altLang="en-US" sz="2400" b="1"/>
+          </a:p>
+          <a:p>
+            <a:r>
+              <a:rPr lang="en-GB" altLang="en-US" sz="2400" b="1" dirty="0"/>
+              <a:t>If </a:t>
+            </a:r>
+            <a:r>
+              <a:rPr lang="en-GB" altLang="en-US" sz="2400" b="1" dirty="0" err="1"/>
+              <a:t>Num</a:t>
+            </a:r>
+            <a:r>
+              <a:rPr lang="en-GB" altLang="en-US" sz="2400" b="1" dirty="0"/>
+              <a:t> 2 &gt; </a:t>
+            </a:r>
+            <a:r>
+              <a:rPr lang="en-GB" altLang="en-US" sz="2400" b="1" dirty="0" err="1"/>
+              <a:t>Num</a:t>
+            </a:r>
+            <a:r>
+              <a:rPr lang="en-GB" altLang="en-US" sz="2400" b="1" dirty="0"/>
+              <a:t> 3 and </a:t>
+            </a:r>
+            <a:r>
+              <a:rPr lang="en-GB" altLang="en-US" sz="2400" b="1" dirty="0" err="1"/>
+              <a:t>Num</a:t>
+            </a:r>
+            <a:r>
+              <a:rPr lang="en-GB" altLang="en-US" sz="2400" b="1" dirty="0"/>
+              <a:t> 2 &gt; </a:t>
+            </a:r>
+            <a:r>
+              <a:rPr lang="en-GB" altLang="en-US" sz="2400" b="1" dirty="0" err="1"/>
+              <a:t>Num</a:t>
+            </a:r>
+            <a:r>
+              <a:rPr lang="en-GB" altLang="en-US" sz="2400" b="1" dirty="0"/>
+              <a:t> 1</a:t>
+            </a:r>
+          </a:p>
+          <a:p>
+            <a:r>
+              <a:rPr lang="en-GB" altLang="en-US" sz="2400" b="1" dirty="0"/>
               <a:t>Print ‘</a:t>
             </a:r>
             <a:r>
-              <a:rPr lang="en-GB" altLang="en-US" sz="2400" b="1">
+              <a:rPr lang="en-GB" altLang="en-US" sz="2400" b="1" dirty="0">
                 <a:sym typeface="+mn-ea"/>
               </a:rPr>
-              <a:t>The largest number is ’  , Num2</a:t>
-            </a:r>
-            <a:r>
-              <a:rPr lang="en-GB" altLang="en-US" sz="2400" b="1"/>
-              <a:t>’</a:t>
-            </a:r>
-            <a:endParaRPr lang="en-GB" altLang="en-US" sz="2400" b="1"/>
-          </a:p>
-          <a:p>
-            <a:r>
-              <a:rPr lang="en-GB" altLang="en-US" sz="2400" b="1">
+              <a:t>The largest number is ’  , </a:t>
+            </a:r>
+            <a:r>
+              <a:rPr lang="en-GB" altLang="en-US" sz="2400" b="1" dirty="0" smtClean="0">
                 <a:sym typeface="+mn-ea"/>
               </a:rPr>
-              <a:t>If Num 3 &gt; Num 2 and Num 3 &gt; Num 1</a:t>
-            </a:r>
-            <a:endParaRPr lang="en-GB" altLang="en-US" sz="2400" b="1"/>
-          </a:p>
-          <a:p>
-            <a:r>
-              <a:rPr lang="en-GB" altLang="en-US" sz="2400" b="1">
+              <a:t>Num2</a:t>
+            </a:r>
+            <a:r>
+              <a:rPr lang="en-GB" altLang="en-US" sz="2400" b="1" dirty="0" smtClean="0"/>
+              <a:t>’</a:t>
+            </a:r>
+            <a:endParaRPr lang="en-GB" altLang="en-US" sz="2400" b="1" dirty="0"/>
+          </a:p>
+          <a:p>
+            <a:r>
+              <a:rPr lang="en-GB" altLang="en-US" sz="2400" b="1" dirty="0">
                 <a:sym typeface="+mn-ea"/>
               </a:rPr>
-              <a:t>Print ‘</a:t>
-            </a:r>
-            <a:r>
-              <a:rPr lang="en-GB" altLang="en-US" sz="2400" b="1">
+              <a:t>If </a:t>
+            </a:r>
+            <a:r>
+              <a:rPr lang="en-GB" altLang="en-US" sz="2400" b="1" dirty="0" err="1">
                 <a:sym typeface="+mn-ea"/>
               </a:rPr>
-              <a:t>The largest number is ’  , Num3</a:t>
-            </a:r>
-            <a:r>
-              <a:rPr lang="en-GB" altLang="en-US" sz="2400" b="1">
+              <a:t>Num</a:t>
+            </a:r>
+            <a:r>
+              <a:rPr lang="en-GB" altLang="en-US" sz="2400" b="1" dirty="0">
                 <a:sym typeface="+mn-ea"/>
               </a:rPr>
-              <a:t>’</a:t>
-            </a:r>
-            <a:endParaRPr lang="en-GB" altLang="en-US" sz="2400" b="1">
-              <a:sym typeface="+mn-ea"/>
-            </a:endParaRPr>
-          </a:p>
-          <a:p>
-            <a:r>
-              <a:rPr lang="en-GB" altLang="en-US" sz="2400" b="1"/>
+              <a:t> 3 &gt; </a:t>
+            </a:r>
+            <a:r>
+              <a:rPr lang="en-GB" altLang="en-US" sz="2400" b="1" dirty="0" err="1">
+                <a:sym typeface="+mn-ea"/>
+              </a:rPr>
+              <a:t>Num</a:t>
+            </a:r>
+            <a:r>
+              <a:rPr lang="en-GB" altLang="en-US" sz="2400" b="1" dirty="0">
+                <a:sym typeface="+mn-ea"/>
+              </a:rPr>
+              <a:t> 2 and </a:t>
+            </a:r>
+            <a:r>
+              <a:rPr lang="en-GB" altLang="en-US" sz="2400" b="1" dirty="0" err="1">
+                <a:sym typeface="+mn-ea"/>
+              </a:rPr>
+              <a:t>Num</a:t>
+            </a:r>
+            <a:r>
+              <a:rPr lang="en-GB" altLang="en-US" sz="2400" b="1" dirty="0">
+                <a:sym typeface="+mn-ea"/>
+              </a:rPr>
+              <a:t> 3 &gt; </a:t>
+            </a:r>
+            <a:r>
+              <a:rPr lang="en-GB" altLang="en-US" sz="2400" b="1" dirty="0" err="1">
+                <a:sym typeface="+mn-ea"/>
+              </a:rPr>
+              <a:t>Num</a:t>
+            </a:r>
+            <a:r>
+              <a:rPr lang="en-GB" altLang="en-US" sz="2400" b="1" dirty="0">
+                <a:sym typeface="+mn-ea"/>
+              </a:rPr>
+              <a:t> 1</a:t>
+            </a:r>
+            <a:endParaRPr lang="en-GB" altLang="en-US" sz="2400" b="1" dirty="0"/>
+          </a:p>
+          <a:p>
+            <a:r>
+              <a:rPr lang="en-GB" altLang="en-US" sz="2400" b="1" dirty="0">
+                <a:sym typeface="+mn-ea"/>
+              </a:rPr>
+              <a:t>Print ‘The largest number is ’  , Num3’</a:t>
+            </a:r>
+          </a:p>
+          <a:p>
+            <a:r>
+              <a:rPr lang="en-GB" altLang="en-US" sz="2400" b="1" dirty="0"/>
               <a:t>Else</a:t>
             </a:r>
-            <a:endParaRPr lang="en-GB" altLang="en-US" sz="2400" b="1"/>
-          </a:p>
-          <a:p>
-            <a:r>
-              <a:rPr lang="en-GB" altLang="en-US" sz="2400" b="1"/>
+          </a:p>
+          <a:p>
+            <a:r>
+              <a:rPr lang="en-GB" altLang="en-US" sz="2400" b="1" dirty="0"/>
               <a:t>Print ‘All numbers are equal’</a:t>
             </a:r>
-            <a:endParaRPr lang="en-GB" altLang="en-US" sz="2400" b="1"/>
-          </a:p>
-          <a:p>
-            <a:endParaRPr lang="en-GB" altLang="en-US" sz="2400" b="1"/>
-          </a:p>
-          <a:p>
-            <a:endParaRPr lang="en-GB" altLang="en-US" sz="2400" b="1"/>
-          </a:p>
-          <a:p>
-            <a:endParaRPr lang="en-GB" altLang="en-US" sz="2400" b="1"/>
+          </a:p>
+          <a:p>
+            <a:endParaRPr lang="en-GB" altLang="en-US" sz="2400" b="1" dirty="0"/>
+          </a:p>
+          <a:p>
+            <a:endParaRPr lang="en-GB" altLang="en-US" sz="2400" b="1" dirty="0"/>
+          </a:p>
+          <a:p>
+            <a:endParaRPr lang="en-GB" altLang="en-US" sz="2400" b="1" dirty="0"/>
           </a:p>
           <a:p>
             <a:pPr marL="0" indent="0">
               <a:buNone/>
             </a:pPr>
-            <a:endParaRPr lang="en-GB" altLang="en-US" sz="6400" b="1"/>
-          </a:p>
-          <a:p>
-            <a:endParaRPr lang="en-GB" altLang="en-US" b="1"/>
-          </a:p>
-          <a:p>
-            <a:endParaRPr lang="en-US"/>
+            <a:endParaRPr lang="en-GB" altLang="en-US" sz="6400" b="1" dirty="0"/>
+          </a:p>
+          <a:p>
+            <a:endParaRPr lang="en-GB" altLang="en-US" b="1" dirty="0"/>
+          </a:p>
+          <a:p>
+            <a:endParaRPr lang="en-US" dirty="0"/>
           </a:p>
         </p:txBody>
       </p:sp>
@@ -8225,7 +8345,14 @@
         <p:cNvGrpSpPr/>
         <p:nvPr/>
       </p:nvGrpSpPr>
-      <p:grpSpPr/>
+      <p:grpSpPr>
+        <a:xfrm>
+          <a:off x="0" y="0"/>
+          <a:ext cx="0" cy="0"/>
+          <a:chOff x="0" y="0"/>
+          <a:chExt cx="0" cy="0"/>
+        </a:xfrm>
+      </p:grpSpPr>
       <p:sp>
         <p:nvSpPr>
           <p:cNvPr id="2" name="Title 1"/>
@@ -8246,12 +8373,12 @@
           <a:bodyPr>
             <a:noAutofit/>
           </a:bodyPr>
+          <a:lstStyle/>
           <a:p>
             <a:r>
               <a:rPr lang="en-GB" altLang="en-US" sz="2800"/>
               <a:t>Flowchart for the largest of three numbers</a:t>
             </a:r>
-            <a:endParaRPr lang="en-GB" altLang="en-US" sz="2800"/>
           </a:p>
         </p:txBody>
       </p:sp>
@@ -8291,6 +8418,7 @@
         </p:style>
         <p:txBody>
           <a:bodyPr rtlCol="0" anchor="ctr"/>
+          <a:lstStyle/>
           <a:p>
             <a:pPr algn="ctr"/>
             <a:endParaRPr lang="en-US"/>
@@ -8365,6 +8493,7 @@
         </p:style>
         <p:txBody>
           <a:bodyPr rtlCol="0" anchor="ctr"/>
+          <a:lstStyle/>
           <a:p>
             <a:pPr algn="ctr"/>
             <a:endParaRPr lang="en-US"/>
@@ -8450,6 +8579,7 @@
         </p:style>
         <p:txBody>
           <a:bodyPr rtlCol="0" anchor="ctr"/>
+          <a:lstStyle/>
           <a:p>
             <a:pPr algn="ctr"/>
             <a:endParaRPr lang="en-US"/>
@@ -8500,6 +8630,7 @@
         </p:style>
         <p:txBody>
           <a:bodyPr rtlCol="0" anchor="ctr"/>
+          <a:lstStyle/>
           <a:p>
             <a:pPr algn="ctr"/>
             <a:endParaRPr lang="en-US"/>
@@ -8550,6 +8681,7 @@
         </p:style>
         <p:txBody>
           <a:bodyPr rtlCol="0" anchor="ctr"/>
+          <a:lstStyle/>
           <a:p>
             <a:pPr algn="ctr"/>
             <a:endParaRPr lang="en-US"/>
@@ -8655,6 +8787,7 @@
         </p:style>
         <p:txBody>
           <a:bodyPr rtlCol="0" anchor="ctr"/>
+          <a:lstStyle/>
           <a:p>
             <a:pPr algn="ctr"/>
             <a:endParaRPr lang="en-US"/>
@@ -8730,6 +8863,7 @@
         </p:style>
         <p:txBody>
           <a:bodyPr rtlCol="0" anchor="ctr"/>
+          <a:lstStyle/>
           <a:p>
             <a:pPr algn="ctr"/>
             <a:endParaRPr lang="en-US"/>
@@ -8769,6 +8903,7 @@
         </p:style>
         <p:txBody>
           <a:bodyPr rtlCol="0" anchor="ctr"/>
+          <a:lstStyle/>
           <a:p>
             <a:pPr algn="ctr"/>
             <a:endParaRPr lang="en-US"/>
@@ -8808,6 +8943,7 @@
         </p:style>
         <p:txBody>
           <a:bodyPr rtlCol="0" anchor="ctr"/>
+          <a:lstStyle/>
           <a:p>
             <a:pPr algn="ctr"/>
             <a:endParaRPr lang="en-US"/>
@@ -8922,15 +9058,13 @@
       <p:cxnSp>
         <p:nvCxnSpPr>
           <p:cNvPr id="23" name="Straight Arrow Connector 22"/>
-          <p:cNvCxnSpPr>
-            <a:endCxn id="13" idx="2"/>
-          </p:cNvCxnSpPr>
+          <p:cNvCxnSpPr/>
           <p:nvPr/>
         </p:nvCxnSpPr>
         <p:spPr>
-          <a:xfrm flipV="1">
-            <a:off x="2127250" y="6345555"/>
-            <a:ext cx="5375910" cy="29845"/>
+          <a:xfrm>
+            <a:off x="2132964" y="6375400"/>
+            <a:ext cx="2903221" cy="0"/>
           </a:xfrm>
           <a:prstGeom prst="straightConnector1">
             <a:avLst/>
@@ -8993,14 +9127,14 @@
         <p:nvCxnSpPr>
           <p:cNvPr id="25" name="Straight Arrow Connector 24"/>
           <p:cNvCxnSpPr>
-            <a:stCxn id="13" idx="5"/>
+            <a:stCxn id="13" idx="2"/>
           </p:cNvCxnSpPr>
           <p:nvPr/>
         </p:nvCxnSpPr>
         <p:spPr>
-          <a:xfrm flipV="1">
-            <a:off x="10340340" y="6344920"/>
-            <a:ext cx="583565" cy="635"/>
+          <a:xfrm flipH="1">
+            <a:off x="6369050" y="6345555"/>
+            <a:ext cx="1133793" cy="8255"/>
           </a:xfrm>
           <a:prstGeom prst="straightConnector1">
             <a:avLst/>
@@ -9032,7 +9166,7 @@
         </p:nvSpPr>
         <p:spPr>
           <a:xfrm>
-            <a:off x="10968355" y="6073775"/>
+            <a:off x="5102428" y="6043613"/>
             <a:ext cx="1177925" cy="663575"/>
           </a:xfrm>
           <a:prstGeom prst="flowChartTerminator">
@@ -9060,6 +9194,7 @@
         </p:style>
         <p:txBody>
           <a:bodyPr rtlCol="0" anchor="ctr"/>
+          <a:lstStyle/>
           <a:p>
             <a:pPr algn="ctr"/>
             <a:endParaRPr lang="en-US"/>
@@ -9095,6 +9230,7 @@
               <a:bevelT w="25400" h="38100"/>
             </a:sp3d>
           </a:bodyPr>
+          <a:lstStyle/>
           <a:p>
             <a:r>
               <a:rPr lang="en-GB" altLang="en-US">
@@ -9105,12 +9241,6 @@
               </a:rPr>
               <a:t>Start</a:t>
             </a:r>
-            <a:endParaRPr lang="en-GB" altLang="en-US">
-              <a:solidFill>
-                <a:schemeClr val="tx1"/>
-              </a:solidFill>
-              <a:effectLst/>
-            </a:endParaRPr>
           </a:p>
         </p:txBody>
       </p:sp>
@@ -9134,26 +9264,24 @@
           <a:bodyPr wrap="square" rtlCol="0">
             <a:spAutoFit/>
           </a:bodyPr>
+          <a:lstStyle/>
           <a:p>
             <a:r>
               <a:rPr lang="en-GB" altLang="en-US" sz="1600"/>
               <a:t>Input Num 1 </a:t>
             </a:r>
-            <a:endParaRPr lang="en-GB" altLang="en-US" sz="1600"/>
           </a:p>
           <a:p>
             <a:r>
               <a:rPr lang="en-GB" altLang="en-US" sz="1600"/>
               <a:t>Input Num 2</a:t>
             </a:r>
-            <a:endParaRPr lang="en-GB" altLang="en-US" sz="1600"/>
           </a:p>
           <a:p>
             <a:r>
               <a:rPr lang="en-GB" altLang="en-US" sz="1600"/>
               <a:t>Input Num 3</a:t>
             </a:r>
-            <a:endParaRPr lang="en-GB" altLang="en-US" sz="1600"/>
           </a:p>
         </p:txBody>
       </p:sp>
@@ -9177,6 +9305,7 @@
           <a:bodyPr wrap="square" rtlCol="0">
             <a:spAutoFit/>
           </a:bodyPr>
+          <a:lstStyle/>
           <a:p>
             <a:r>
               <a:rPr lang="en-GB" altLang="en-US" sz="1400"/>
@@ -9219,6 +9348,7 @@
           <a:bodyPr wrap="square" rtlCol="0">
             <a:spAutoFit/>
           </a:bodyPr>
+          <a:lstStyle/>
           <a:p>
             <a:r>
               <a:rPr lang="en-GB" altLang="en-US" sz="1400" b="1">
@@ -9226,9 +9356,6 @@
               </a:rPr>
               <a:t>If Num 2 &gt; Num 3 and Num 2 &gt; Num 1</a:t>
             </a:r>
-            <a:endParaRPr lang="en-GB" altLang="en-US" sz="1400" b="1">
-              <a:sym typeface="+mn-ea"/>
-            </a:endParaRPr>
           </a:p>
         </p:txBody>
       </p:sp>
@@ -9252,6 +9379,7 @@
           <a:bodyPr wrap="square" rtlCol="0">
             <a:spAutoFit/>
           </a:bodyPr>
+          <a:lstStyle/>
           <a:p>
             <a:r>
               <a:rPr lang="en-GB" altLang="en-US" sz="1400" b="1">
@@ -9286,6 +9414,7 @@
           <a:bodyPr wrap="square" rtlCol="0">
             <a:spAutoFit/>
           </a:bodyPr>
+          <a:lstStyle/>
           <a:p>
             <a:r>
               <a:rPr lang="en-GB" altLang="en-US" sz="1400" b="1">
@@ -9320,24 +9449,13 @@
           <a:bodyPr wrap="square" rtlCol="0">
             <a:spAutoFit/>
           </a:bodyPr>
+          <a:lstStyle/>
           <a:p>
             <a:r>
               <a:rPr lang="en-GB" altLang="en-US" sz="1200" b="1">
                 <a:sym typeface="+mn-ea"/>
               </a:rPr>
-              <a:t>Print ‘</a:t>
-            </a:r>
-            <a:r>
-              <a:rPr lang="en-GB" altLang="en-US" sz="1200" b="1">
-                <a:sym typeface="+mn-ea"/>
-              </a:rPr>
-              <a:t>The largest number is ’  , Num2</a:t>
-            </a:r>
-            <a:r>
-              <a:rPr lang="en-GB" altLang="en-US" sz="1200" b="1">
-                <a:sym typeface="+mn-ea"/>
-              </a:rPr>
-              <a:t>’</a:t>
+              <a:t>Print ‘The largest number is ’  , Num2’</a:t>
             </a:r>
             <a:endParaRPr lang="en-GB" altLang="en-US" sz="1200" b="1"/>
           </a:p>
@@ -9366,6 +9484,7 @@
           <a:bodyPr wrap="square" rtlCol="0">
             <a:spAutoFit/>
           </a:bodyPr>
+          <a:lstStyle/>
           <a:p>
             <a:r>
               <a:rPr lang="en-GB" altLang="en-US" sz="1400" b="1">
@@ -9373,9 +9492,6 @@
               </a:rPr>
               <a:t>Print ‘The largest number is ’  , Num3’</a:t>
             </a:r>
-            <a:endParaRPr lang="en-GB" altLang="en-US" sz="1400" b="1">
-              <a:sym typeface="+mn-ea"/>
-            </a:endParaRPr>
           </a:p>
         </p:txBody>
       </p:sp>
@@ -9399,6 +9515,7 @@
           <a:bodyPr wrap="square" rtlCol="0">
             <a:spAutoFit/>
           </a:bodyPr>
+          <a:lstStyle/>
           <a:p>
             <a:r>
               <a:rPr lang="en-GB" altLang="en-US" sz="1400" b="1">
@@ -9406,9 +9523,6 @@
               </a:rPr>
               <a:t>Print ‘All numbers are equal’</a:t>
             </a:r>
-            <a:endParaRPr lang="en-GB" altLang="en-US" sz="1400" b="1">
-              <a:sym typeface="+mn-ea"/>
-            </a:endParaRPr>
           </a:p>
         </p:txBody>
       </p:sp>
@@ -9432,12 +9546,12 @@
           <a:bodyPr wrap="square" rtlCol="0">
             <a:spAutoFit/>
           </a:bodyPr>
+          <a:lstStyle/>
           <a:p>
             <a:r>
               <a:rPr lang="en-GB" altLang="en-US"/>
               <a:t>true</a:t>
             </a:r>
-            <a:endParaRPr lang="en-GB" altLang="en-US"/>
           </a:p>
         </p:txBody>
       </p:sp>
@@ -9461,12 +9575,12 @@
           <a:bodyPr wrap="square" rtlCol="0">
             <a:spAutoFit/>
           </a:bodyPr>
+          <a:lstStyle/>
           <a:p>
             <a:r>
               <a:rPr lang="en-GB" altLang="en-US"/>
               <a:t>true</a:t>
             </a:r>
-            <a:endParaRPr lang="en-GB" altLang="en-US"/>
           </a:p>
         </p:txBody>
       </p:sp>
@@ -9490,12 +9604,12 @@
           <a:bodyPr wrap="square" rtlCol="0">
             <a:spAutoFit/>
           </a:bodyPr>
+          <a:lstStyle/>
           <a:p>
             <a:r>
               <a:rPr lang="en-GB" altLang="en-US"/>
               <a:t>true</a:t>
             </a:r>
-            <a:endParaRPr lang="en-GB" altLang="en-US"/>
           </a:p>
         </p:txBody>
       </p:sp>
@@ -9519,12 +9633,12 @@
           <a:bodyPr wrap="square" rtlCol="0">
             <a:spAutoFit/>
           </a:bodyPr>
+          <a:lstStyle/>
           <a:p>
             <a:r>
               <a:rPr lang="en-GB" altLang="en-US"/>
               <a:t>false</a:t>
             </a:r>
-            <a:endParaRPr lang="en-GB" altLang="en-US"/>
           </a:p>
         </p:txBody>
       </p:sp>
@@ -9548,12 +9662,12 @@
           <a:bodyPr wrap="square" rtlCol="0">
             <a:spAutoFit/>
           </a:bodyPr>
+          <a:lstStyle/>
           <a:p>
             <a:r>
               <a:rPr lang="en-GB" altLang="en-US"/>
               <a:t>false</a:t>
             </a:r>
-            <a:endParaRPr lang="en-GB" altLang="en-US"/>
           </a:p>
         </p:txBody>
       </p:sp>
@@ -9577,12 +9691,12 @@
           <a:bodyPr wrap="square" rtlCol="0">
             <a:spAutoFit/>
           </a:bodyPr>
+          <a:lstStyle/>
           <a:p>
             <a:r>
               <a:rPr lang="en-GB" altLang="en-US"/>
               <a:t>else</a:t>
             </a:r>
-            <a:endParaRPr lang="en-GB" altLang="en-US"/>
           </a:p>
         </p:txBody>
       </p:sp>
@@ -9594,7 +9708,7 @@
         </p:nvSpPr>
         <p:spPr>
           <a:xfrm>
-            <a:off x="11240770" y="6284595"/>
+            <a:off x="5269937" y="6161405"/>
             <a:ext cx="814705" cy="368300"/>
           </a:xfrm>
           <a:prstGeom prst="rect">
@@ -9606,12 +9720,12 @@
           <a:bodyPr wrap="square" rtlCol="0">
             <a:spAutoFit/>
           </a:bodyPr>
+          <a:lstStyle/>
           <a:p>
             <a:r>
               <a:rPr lang="en-GB" altLang="en-US"/>
               <a:t>END</a:t>
             </a:r>
-            <a:endParaRPr lang="en-GB" altLang="en-US"/>
           </a:p>
         </p:txBody>
       </p:sp>
@@ -9632,7 +9746,14 @@
         <p:cNvGrpSpPr/>
         <p:nvPr/>
       </p:nvGrpSpPr>
-      <p:grpSpPr/>
+      <p:grpSpPr>
+        <a:xfrm>
+          <a:off x="0" y="0"/>
+          <a:ext cx="0" cy="0"/>
+          <a:chOff x="0" y="0"/>
+          <a:chExt cx="0" cy="0"/>
+        </a:xfrm>
+      </p:grpSpPr>
       <p:sp>
         <p:nvSpPr>
           <p:cNvPr id="2" name="Title 1"/>
@@ -9651,12 +9772,12 @@
         </p:spPr>
         <p:txBody>
           <a:bodyPr/>
-          <a:p>
-            <a:r>
-              <a:rPr lang="en-GB" altLang="en-US" sz="2400" b="1"/>
+          <a:lstStyle/>
+          <a:p>
+            <a:r>
+              <a:rPr lang="en-GB" altLang="en-US" sz="2400" b="1" dirty="0"/>
               <a:t>4a). Find the  LCM of two numbers</a:t>
             </a:r>
-            <a:endParaRPr lang="en-GB" altLang="en-US" sz="2400" b="1"/>
           </a:p>
         </p:txBody>
       </p:sp>
@@ -9680,107 +9801,95 @@
           <a:bodyPr>
             <a:normAutofit lnSpcReduction="10000"/>
           </a:bodyPr>
-          <a:p>
-            <a:r>
-              <a:rPr lang="en-GB" altLang="en-US" sz="2400" b="1">
+          <a:lstStyle/>
+          <a:p>
+            <a:r>
+              <a:rPr lang="en-GB" altLang="en-US" sz="2400" b="1" dirty="0">
                 <a:sym typeface="+mn-ea"/>
               </a:rPr>
               <a:t>Pseudo code:</a:t>
             </a:r>
-            <a:endParaRPr lang="en-GB" altLang="en-US" sz="2400" b="1">
-              <a:sym typeface="+mn-ea"/>
-            </a:endParaRPr>
-          </a:p>
-          <a:p>
-            <a:r>
-              <a:rPr lang="en-GB" altLang="en-US" sz="2400" b="1"/>
+          </a:p>
+          <a:p>
+            <a:r>
+              <a:rPr lang="en-GB" altLang="en-US" sz="2400" b="1" dirty="0"/>
               <a:t>Input V1</a:t>
             </a:r>
-            <a:endParaRPr lang="en-GB" altLang="en-US" sz="2400" b="1"/>
-          </a:p>
-          <a:p>
-            <a:r>
-              <a:rPr lang="en-GB" altLang="en-US" sz="2400" b="1"/>
+          </a:p>
+          <a:p>
+            <a:r>
+              <a:rPr lang="en-GB" altLang="en-US" sz="2400" b="1" dirty="0"/>
               <a:t>Input V2</a:t>
             </a:r>
-            <a:endParaRPr lang="en-GB" altLang="en-US" sz="2400" b="1"/>
-          </a:p>
-          <a:p>
-            <a:r>
-              <a:rPr lang="en-GB" altLang="en-US" sz="2400" b="1"/>
+          </a:p>
+          <a:p>
+            <a:r>
+              <a:rPr lang="en-GB" altLang="en-US" sz="2400" b="1" dirty="0"/>
               <a:t>If V1 &gt; V2 </a:t>
             </a:r>
-            <a:endParaRPr lang="en-GB" altLang="en-US" sz="2400" b="1"/>
-          </a:p>
-          <a:p>
-            <a:r>
-              <a:rPr lang="en-GB" altLang="en-US" sz="2400" b="1"/>
+          </a:p>
+          <a:p>
+            <a:r>
+              <a:rPr lang="en-GB" altLang="en-US" sz="2400" b="1" dirty="0"/>
               <a:t>LCM = V2</a:t>
             </a:r>
-            <a:endParaRPr lang="en-GB" altLang="en-US" sz="2400" b="1"/>
-          </a:p>
-          <a:p>
-            <a:r>
-              <a:rPr lang="en-GB" altLang="en-US" sz="2400" b="1"/>
+          </a:p>
+          <a:p>
+            <a:r>
+              <a:rPr lang="en-GB" altLang="en-US" sz="2400" b="1" dirty="0"/>
               <a:t>If V2 &gt; V1</a:t>
             </a:r>
-            <a:endParaRPr lang="en-GB" altLang="en-US" sz="2400" b="1"/>
-          </a:p>
-          <a:p>
-            <a:r>
-              <a:rPr lang="en-GB" altLang="en-US" sz="2400" b="1"/>
+          </a:p>
+          <a:p>
+            <a:r>
+              <a:rPr lang="en-GB" altLang="en-US" sz="2400" b="1" dirty="0"/>
               <a:t>LCM = V1</a:t>
             </a:r>
-            <a:endParaRPr lang="en-GB" altLang="en-US" sz="2400" b="1"/>
-          </a:p>
-          <a:p>
-            <a:r>
-              <a:rPr lang="en-GB" altLang="en-US" sz="2400" b="1"/>
+          </a:p>
+          <a:p>
+            <a:r>
+              <a:rPr lang="en-GB" altLang="en-US" sz="2400" b="1" dirty="0"/>
               <a:t>If LCM % V1 == 0 &amp;&amp; LCM %V2 == 0 (if both the remainders of the lcm /V1 and Lcm /V2  are 0)</a:t>
             </a:r>
-            <a:endParaRPr lang="en-GB" altLang="en-US" sz="2400" b="1"/>
-          </a:p>
-          <a:p>
-            <a:endParaRPr lang="en-GB" altLang="en-US" sz="2400" b="1"/>
-          </a:p>
-          <a:p>
-            <a:r>
-              <a:rPr lang="en-GB" altLang="en-US" sz="2400" b="1"/>
+          </a:p>
+          <a:p>
+            <a:endParaRPr lang="en-GB" altLang="en-US" sz="2400" b="1" dirty="0"/>
+          </a:p>
+          <a:p>
+            <a:r>
+              <a:rPr lang="en-GB" altLang="en-US" sz="2400" b="1" dirty="0"/>
               <a:t>Print ‘Lcm of V1 and V2 is ’, LCM. </a:t>
             </a:r>
-            <a:endParaRPr lang="en-GB" altLang="en-US" sz="2400" b="1"/>
-          </a:p>
-          <a:p>
-            <a:r>
-              <a:rPr lang="en-GB" altLang="en-US" sz="2400" b="1"/>
+          </a:p>
+          <a:p>
+            <a:r>
+              <a:rPr lang="en-GB" altLang="en-US" sz="2400" b="1" dirty="0"/>
               <a:t>Else </a:t>
             </a:r>
-            <a:endParaRPr lang="en-GB" altLang="en-US" sz="2400" b="1"/>
-          </a:p>
-          <a:p>
-            <a:r>
-              <a:rPr lang="en-GB" altLang="en-US" sz="2400" b="1"/>
+          </a:p>
+          <a:p>
+            <a:r>
+              <a:rPr lang="en-GB" altLang="en-US" sz="2400" b="1" dirty="0"/>
               <a:t>print (‘LCM = 1’)</a:t>
             </a:r>
-            <a:endParaRPr lang="en-GB" altLang="en-US" sz="2400" b="1"/>
-          </a:p>
-          <a:p>
-            <a:endParaRPr lang="en-GB" altLang="en-US" sz="2400" b="1"/>
-          </a:p>
-          <a:p>
-            <a:endParaRPr lang="en-GB" altLang="en-US" b="1"/>
-          </a:p>
-          <a:p>
-            <a:endParaRPr lang="en-GB" altLang="en-US" b="1"/>
-          </a:p>
-          <a:p>
-            <a:endParaRPr lang="en-GB" altLang="en-US" b="1"/>
-          </a:p>
-          <a:p>
-            <a:endParaRPr lang="en-GB" altLang="en-US" b="1"/>
-          </a:p>
-          <a:p>
-            <a:endParaRPr lang="en-US"/>
+          </a:p>
+          <a:p>
+            <a:endParaRPr lang="en-GB" altLang="en-US" sz="2400" b="1" dirty="0"/>
+          </a:p>
+          <a:p>
+            <a:endParaRPr lang="en-GB" altLang="en-US" b="1" dirty="0"/>
+          </a:p>
+          <a:p>
+            <a:endParaRPr lang="en-GB" altLang="en-US" b="1" dirty="0"/>
+          </a:p>
+          <a:p>
+            <a:endParaRPr lang="en-GB" altLang="en-US" b="1" dirty="0"/>
+          </a:p>
+          <a:p>
+            <a:endParaRPr lang="en-GB" altLang="en-US" b="1" dirty="0"/>
+          </a:p>
+          <a:p>
+            <a:endParaRPr lang="en-US" dirty="0"/>
           </a:p>
         </p:txBody>
       </p:sp>
@@ -9801,7 +9910,14 @@
         <p:cNvGrpSpPr/>
         <p:nvPr/>
       </p:nvGrpSpPr>
-      <p:grpSpPr/>
+      <p:grpSpPr>
+        <a:xfrm>
+          <a:off x="0" y="0"/>
+          <a:ext cx="0" cy="0"/>
+          <a:chOff x="0" y="0"/>
+          <a:chExt cx="0" cy="0"/>
+        </a:xfrm>
+      </p:grpSpPr>
       <p:sp>
         <p:nvSpPr>
           <p:cNvPr id="2" name="Title 1"/>
@@ -9822,6 +9938,7 @@
           <a:bodyPr>
             <a:normAutofit fontScale="90000"/>
           </a:bodyPr>
+          <a:lstStyle/>
           <a:p>
             <a:r>
               <a:rPr lang="en-GB" altLang="en-US" sz="2400"/>
@@ -9832,6 +9949,10 @@
                 <a:sym typeface="+mn-ea"/>
               </a:rPr>
               <a:t> LCM of two numbers</a:t>
+            </a:r>
+            <a:r>
+              <a:rPr lang="en-GB" altLang="en-US" sz="2400" b="1"/>
+              <a:t/>
             </a:r>
             <a:br>
               <a:rPr lang="en-GB" altLang="en-US" sz="2400" b="1"/>
@@ -9876,6 +9997,7 @@
         </p:style>
         <p:txBody>
           <a:bodyPr rtlCol="0" anchor="ctr"/>
+          <a:lstStyle/>
           <a:p>
             <a:pPr algn="ctr"/>
             <a:endParaRPr lang="en-US"/>
@@ -9950,6 +10072,7 @@
         </p:style>
         <p:txBody>
           <a:bodyPr rtlCol="0" anchor="ctr"/>
+          <a:lstStyle/>
           <a:p>
             <a:pPr algn="ctr"/>
             <a:endParaRPr lang="en-US"/>
@@ -10035,6 +10158,7 @@
         </p:style>
         <p:txBody>
           <a:bodyPr rtlCol="0" anchor="ctr"/>
+          <a:lstStyle/>
           <a:p>
             <a:pPr algn="ctr"/>
             <a:endParaRPr lang="en-US"/>
@@ -10110,6 +10234,7 @@
         </p:style>
         <p:txBody>
           <a:bodyPr rtlCol="0" anchor="ctr"/>
+          <a:lstStyle/>
           <a:p>
             <a:pPr algn="ctr"/>
             <a:endParaRPr lang="en-US"/>
@@ -10195,6 +10320,7 @@
         </p:style>
         <p:txBody>
           <a:bodyPr rtlCol="0" anchor="ctr"/>
+          <a:lstStyle/>
           <a:p>
             <a:pPr algn="ctr"/>
             <a:endParaRPr lang="en-US"/>
@@ -10280,6 +10406,7 @@
         </p:style>
         <p:txBody>
           <a:bodyPr rtlCol="0" anchor="ctr"/>
+          <a:lstStyle/>
           <a:p>
             <a:pPr algn="ctr"/>
             <a:endParaRPr lang="en-US"/>
@@ -10355,6 +10482,7 @@
         </p:style>
         <p:txBody>
           <a:bodyPr rtlCol="0" anchor="ctr"/>
+          <a:lstStyle/>
           <a:p>
             <a:pPr algn="ctr"/>
             <a:endParaRPr lang="en-US"/>
@@ -10464,6 +10592,7 @@
         </p:style>
         <p:txBody>
           <a:bodyPr rtlCol="0" anchor="ctr"/>
+          <a:lstStyle/>
           <a:p>
             <a:pPr algn="ctr"/>
             <a:endParaRPr lang="en-US"/>
@@ -10541,6 +10670,7 @@
         </p:style>
         <p:txBody>
           <a:bodyPr rtlCol="0" anchor="ctr"/>
+          <a:lstStyle/>
           <a:p>
             <a:pPr algn="ctr"/>
             <a:endParaRPr lang="en-US"/>
@@ -10567,12 +10697,12 @@
           <a:bodyPr wrap="square" rtlCol="0">
             <a:spAutoFit/>
           </a:bodyPr>
+          <a:lstStyle/>
           <a:p>
             <a:r>
               <a:rPr lang="en-GB" altLang="en-US"/>
               <a:t>Start</a:t>
             </a:r>
-            <a:endParaRPr lang="en-GB" altLang="en-US"/>
           </a:p>
         </p:txBody>
       </p:sp>
@@ -10596,19 +10726,18 @@
           <a:bodyPr wrap="square" rtlCol="0">
             <a:spAutoFit/>
           </a:bodyPr>
+          <a:lstStyle/>
           <a:p>
             <a:r>
               <a:rPr lang="en-GB" altLang="en-US" sz="1600"/>
               <a:t>Input v1 </a:t>
             </a:r>
-            <a:endParaRPr lang="en-GB" altLang="en-US" sz="1600"/>
           </a:p>
           <a:p>
             <a:r>
               <a:rPr lang="en-GB" altLang="en-US" sz="1600"/>
               <a:t>Input v2</a:t>
             </a:r>
-            <a:endParaRPr lang="en-GB" altLang="en-US" sz="1600"/>
           </a:p>
         </p:txBody>
       </p:sp>
@@ -10632,12 +10761,12 @@
           <a:bodyPr wrap="square" rtlCol="0">
             <a:spAutoFit/>
           </a:bodyPr>
+          <a:lstStyle/>
           <a:p>
             <a:r>
               <a:rPr lang="en-GB" altLang="en-US"/>
               <a:t>If v1 &gt; v2</a:t>
             </a:r>
-            <a:endParaRPr lang="en-GB" altLang="en-US"/>
           </a:p>
         </p:txBody>
       </p:sp>
@@ -10661,12 +10790,12 @@
           <a:bodyPr wrap="square" rtlCol="0">
             <a:spAutoFit/>
           </a:bodyPr>
+          <a:lstStyle/>
           <a:p>
             <a:r>
               <a:rPr lang="en-GB" altLang="en-US"/>
               <a:t>true</a:t>
             </a:r>
-            <a:endParaRPr lang="en-GB" altLang="en-US"/>
           </a:p>
         </p:txBody>
       </p:sp>
@@ -10690,12 +10819,12 @@
           <a:bodyPr wrap="square" rtlCol="0">
             <a:spAutoFit/>
           </a:bodyPr>
+          <a:lstStyle/>
           <a:p>
             <a:r>
               <a:rPr lang="en-GB" altLang="en-US"/>
               <a:t>LCM = v2</a:t>
             </a:r>
-            <a:endParaRPr lang="en-GB" altLang="en-US"/>
           </a:p>
         </p:txBody>
       </p:sp>
@@ -10719,12 +10848,12 @@
           <a:bodyPr wrap="square" rtlCol="0">
             <a:spAutoFit/>
           </a:bodyPr>
+          <a:lstStyle/>
           <a:p>
             <a:r>
               <a:rPr lang="en-GB" altLang="en-US"/>
               <a:t>If v2 &gt; v1</a:t>
             </a:r>
-            <a:endParaRPr lang="en-GB" altLang="en-US"/>
           </a:p>
         </p:txBody>
       </p:sp>
@@ -10748,12 +10877,12 @@
           <a:bodyPr wrap="square" rtlCol="0">
             <a:spAutoFit/>
           </a:bodyPr>
+          <a:lstStyle/>
           <a:p>
             <a:r>
               <a:rPr lang="en-GB" altLang="en-US"/>
               <a:t>false</a:t>
             </a:r>
-            <a:endParaRPr lang="en-GB" altLang="en-US"/>
           </a:p>
         </p:txBody>
       </p:sp>
@@ -10777,12 +10906,12 @@
           <a:bodyPr wrap="square" rtlCol="0">
             <a:spAutoFit/>
           </a:bodyPr>
+          <a:lstStyle/>
           <a:p>
             <a:r>
               <a:rPr lang="en-GB" altLang="en-US"/>
               <a:t>true</a:t>
             </a:r>
-            <a:endParaRPr lang="en-GB" altLang="en-US"/>
           </a:p>
         </p:txBody>
       </p:sp>
@@ -10854,6 +10983,7 @@
         </p:style>
         <p:txBody>
           <a:bodyPr rtlCol="0" anchor="ctr"/>
+          <a:lstStyle/>
           <a:p>
             <a:pPr algn="ctr"/>
             <a:endParaRPr lang="en-US"/>
@@ -10915,12 +11045,12 @@
           <a:bodyPr wrap="square" rtlCol="0">
             <a:spAutoFit/>
           </a:bodyPr>
+          <a:lstStyle/>
           <a:p>
             <a:r>
               <a:rPr lang="en-GB" altLang="en-US" sz="1600"/>
               <a:t>Print ‘LCM =1’</a:t>
             </a:r>
-            <a:endParaRPr lang="en-GB" altLang="en-US" sz="1600"/>
           </a:p>
         </p:txBody>
       </p:sp>
@@ -10944,12 +11074,12 @@
           <a:bodyPr wrap="square" rtlCol="0">
             <a:spAutoFit/>
           </a:bodyPr>
+          <a:lstStyle/>
           <a:p>
             <a:r>
               <a:rPr lang="en-GB" altLang="en-US"/>
               <a:t>false</a:t>
             </a:r>
-            <a:endParaRPr lang="en-GB" altLang="en-US"/>
           </a:p>
         </p:txBody>
       </p:sp>
@@ -10973,12 +11103,12 @@
           <a:bodyPr wrap="square" rtlCol="0">
             <a:spAutoFit/>
           </a:bodyPr>
+          <a:lstStyle/>
           <a:p>
             <a:r>
               <a:rPr lang="en-GB" altLang="en-US"/>
               <a:t>false</a:t>
             </a:r>
-            <a:endParaRPr lang="en-GB" altLang="en-US"/>
           </a:p>
         </p:txBody>
       </p:sp>
@@ -11002,12 +11132,12 @@
           <a:bodyPr wrap="square" rtlCol="0">
             <a:spAutoFit/>
           </a:bodyPr>
+          <a:lstStyle/>
           <a:p>
             <a:r>
               <a:rPr lang="en-GB" altLang="en-US"/>
               <a:t>LCM = v1</a:t>
             </a:r>
-            <a:endParaRPr lang="en-GB" altLang="en-US"/>
           </a:p>
         </p:txBody>
       </p:sp>
@@ -11031,19 +11161,18 @@
           <a:bodyPr wrap="square" rtlCol="0">
             <a:spAutoFit/>
           </a:bodyPr>
+          <a:lstStyle/>
           <a:p>
             <a:r>
               <a:rPr lang="en-GB" altLang="en-US"/>
               <a:t>if LCM %v1==0 &amp;&amp;</a:t>
             </a:r>
-            <a:endParaRPr lang="en-GB" altLang="en-US"/>
           </a:p>
           <a:p>
             <a:r>
               <a:rPr lang="en-GB" altLang="en-US"/>
               <a:t>LCM %v2 == 0</a:t>
             </a:r>
-            <a:endParaRPr lang="en-GB" altLang="en-US"/>
           </a:p>
         </p:txBody>
       </p:sp>
@@ -11067,12 +11196,12 @@
           <a:bodyPr wrap="square" rtlCol="0">
             <a:spAutoFit/>
           </a:bodyPr>
+          <a:lstStyle/>
           <a:p>
             <a:r>
               <a:rPr lang="en-GB" altLang="en-US"/>
               <a:t>true</a:t>
             </a:r>
-            <a:endParaRPr lang="en-GB" altLang="en-US"/>
           </a:p>
         </p:txBody>
       </p:sp>
@@ -11096,12 +11225,12 @@
           <a:bodyPr wrap="square" rtlCol="0">
             <a:spAutoFit/>
           </a:bodyPr>
+          <a:lstStyle/>
           <a:p>
             <a:r>
               <a:rPr lang="en-GB" altLang="en-US"/>
               <a:t>Print ‘LCM of v1 and v2 is ’, LCM</a:t>
             </a:r>
-            <a:endParaRPr lang="en-GB" altLang="en-US"/>
           </a:p>
         </p:txBody>
       </p:sp>
@@ -11125,12 +11254,12 @@
           <a:bodyPr wrap="square" rtlCol="0">
             <a:spAutoFit/>
           </a:bodyPr>
+          <a:lstStyle/>
           <a:p>
             <a:r>
               <a:rPr lang="en-GB" altLang="en-US"/>
               <a:t>END</a:t>
             </a:r>
-            <a:endParaRPr lang="en-GB" altLang="en-US"/>
           </a:p>
         </p:txBody>
       </p:sp>
@@ -11429,6 +11558,8 @@
       </a:bgFillStyleLst>
     </a:fmtScheme>
   </a:themeElements>
+  <a:objectDefaults/>
+  <a:extraClrSchemeLst/>
   <a:extLst>
     <a:ext uri="{05A4C25C-085E-4340-85A3-A5531E510DB2}">
       <thm15:themeFamily xmlns:thm15="http://schemas.microsoft.com/office/thememl/2012/main" name="Office Theme" id="{62F939B6-93AF-4DB8-9C6B-D6C7DFDC589F}" vid="{4A3C46E8-61CC-4603-A589-7422A47A8E4A}"/>
@@ -11688,6 +11819,8 @@
       </a:bgFillStyleLst>
     </a:fmtScheme>
   </a:themeElements>
+  <a:objectDefaults/>
+  <a:extraClrSchemeLst/>
   <a:extLst>
     <a:ext uri="{05A4C25C-085E-4340-85A3-A5531E510DB2}">
       <thm15:themeFamily xmlns:thm15="http://schemas.microsoft.com/office/thememl/2012/main" name="Office Theme" id="{62F939B6-93AF-4DB8-9C6B-D6C7DFDC589F}" vid="{4A3C46E8-61CC-4603-A589-7422A47A8E4A}"/>

--- a/EhianeAA1.pptx
+++ b/EhianeAA1.pptx
@@ -5182,7 +5182,7 @@
         </p:spPr>
         <p:txBody>
           <a:bodyPr>
-            <a:normAutofit fontScale="92500"/>
+            <a:normAutofit fontScale="92500" lnSpcReduction="20000"/>
           </a:bodyPr>
           <a:lstStyle/>
           <a:p>
@@ -8206,17 +8206,19 @@
               <a:rPr lang="en-GB" altLang="en-US" sz="2400" b="1" dirty="0">
                 <a:sym typeface="+mn-ea"/>
               </a:rPr>
-              <a:t>The largest number is ’  , </a:t>
-            </a:r>
-            <a:r>
-              <a:rPr lang="en-GB" altLang="en-US" sz="2400" b="1" dirty="0" smtClean="0">
+              <a:t>The largest number is ’  </a:t>
+            </a:r>
+            <a:r>
+              <a:rPr lang="en-GB" altLang="en-US" sz="2400" b="1">
+                <a:sym typeface="+mn-ea"/>
+              </a:rPr>
+              <a:t>, </a:t>
+            </a:r>
+            <a:r>
+              <a:rPr lang="en-GB" altLang="en-US" sz="2400" b="1" smtClean="0">
                 <a:sym typeface="+mn-ea"/>
               </a:rPr>
               <a:t>Num2</a:t>
-            </a:r>
-            <a:r>
-              <a:rPr lang="en-GB" altLang="en-US" sz="2400" b="1" dirty="0" smtClean="0"/>
-              <a:t>’</a:t>
             </a:r>
             <a:endParaRPr lang="en-GB" altLang="en-US" sz="2400" b="1" dirty="0"/>
           </a:p>
@@ -8282,8 +8284,17 @@
               <a:rPr lang="en-GB" altLang="en-US" sz="2400" b="1" dirty="0">
                 <a:sym typeface="+mn-ea"/>
               </a:rPr>
-              <a:t>Print ‘The largest number is ’  , Num3’</a:t>
-            </a:r>
+              <a:t>Print ‘The largest number is ’  , </a:t>
+            </a:r>
+            <a:r>
+              <a:rPr lang="en-GB" altLang="en-US" sz="2400" b="1" dirty="0" smtClean="0">
+                <a:sym typeface="+mn-ea"/>
+              </a:rPr>
+              <a:t>Num3</a:t>
+            </a:r>
+            <a:endParaRPr lang="en-GB" altLang="en-US" sz="2400" b="1" dirty="0">
+              <a:sym typeface="+mn-ea"/>
+            </a:endParaRPr>
           </a:p>
           <a:p>
             <a:r>
